--- a/LightSpeed.pptx
+++ b/LightSpeed.pptx
@@ -12,8 +12,8 @@
     <p:sldId id="257" r:id="rId3"/>
     <p:sldId id="272" r:id="rId4"/>
     <p:sldId id="258" r:id="rId5"/>
-    <p:sldId id="273" r:id="rId6"/>
-    <p:sldId id="274" r:id="rId7"/>
+    <p:sldId id="274" r:id="rId6"/>
+    <p:sldId id="273" r:id="rId7"/>
     <p:sldId id="275" r:id="rId8"/>
     <p:sldId id="259" r:id="rId9"/>
     <p:sldId id="276" r:id="rId10"/>
@@ -3620,7 +3620,7 @@
           <a:p>
             <a:fld id="{C128FA71-3A18-48C0-980F-4B68F7F63042}" type="datetime1">
               <a:rPr lang="en-US" smtClean="0"/>
-              <a:t>4/24/2025</a:t>
+              <a:t>4/25/2025</a:t>
             </a:fld>
             <a:endParaRPr lang="en-US"/>
           </a:p>
@@ -3916,7 +3916,7 @@
           <a:p>
             <a:fld id="{67F45AC6-C491-4585-A584-9CE2AF7D5500}" type="datetime1">
               <a:rPr lang="en-US" smtClean="0"/>
-              <a:t>4/24/2025</a:t>
+              <a:t>4/25/2025</a:t>
             </a:fld>
             <a:endParaRPr lang="en-US"/>
           </a:p>
@@ -4165,7 +4165,7 @@
           <a:p>
             <a:fld id="{67F45AC6-C491-4585-A584-9CE2AF7D5500}" type="datetime1">
               <a:rPr lang="en-US" smtClean="0"/>
-              <a:t>4/24/2025</a:t>
+              <a:t>4/25/2025</a:t>
             </a:fld>
             <a:endParaRPr lang="en-US"/>
           </a:p>
@@ -4706,7 +4706,7 @@
           <a:p>
             <a:fld id="{67F45AC6-C491-4585-A584-9CE2AF7D5500}" type="datetime1">
               <a:rPr lang="en-US" smtClean="0"/>
-              <a:t>4/24/2025</a:t>
+              <a:t>4/25/2025</a:t>
             </a:fld>
             <a:endParaRPr lang="en-US"/>
           </a:p>
@@ -4955,7 +4955,7 @@
           <a:p>
             <a:fld id="{67F45AC6-C491-4585-A584-9CE2AF7D5500}" type="datetime1">
               <a:rPr lang="en-US" smtClean="0"/>
-              <a:t>4/24/2025</a:t>
+              <a:t>4/25/2025</a:t>
             </a:fld>
             <a:endParaRPr lang="en-US"/>
           </a:p>
@@ -5488,7 +5488,7 @@
           <a:p>
             <a:fld id="{67F45AC6-C491-4585-A584-9CE2AF7D5500}" type="datetime1">
               <a:rPr lang="en-US" smtClean="0"/>
-              <a:t>4/24/2025</a:t>
+              <a:t>4/25/2025</a:t>
             </a:fld>
             <a:endParaRPr lang="en-US"/>
           </a:p>
@@ -5786,7 +5786,7 @@
           <a:p>
             <a:fld id="{67F45AC6-C491-4585-A584-9CE2AF7D5500}" type="datetime1">
               <a:rPr lang="en-US" smtClean="0"/>
-              <a:t>4/24/2025</a:t>
+              <a:t>4/25/2025</a:t>
             </a:fld>
             <a:endParaRPr lang="en-US"/>
           </a:p>
@@ -5961,7 +5961,7 @@
           <a:p>
             <a:fld id="{7104EDB3-C0E8-45F8-9E1D-1B6C8D1880C0}" type="datetime1">
               <a:rPr lang="en-US" smtClean="0"/>
-              <a:t>4/24/2025</a:t>
+              <a:t>4/25/2025</a:t>
             </a:fld>
             <a:endParaRPr lang="en-US"/>
           </a:p>
@@ -6141,7 +6141,7 @@
           <a:p>
             <a:fld id="{9CF0EC4B-54ED-4041-B552-9BA760FA3DBA}" type="datetime1">
               <a:rPr lang="en-US" smtClean="0"/>
-              <a:t>4/24/2025</a:t>
+              <a:t>4/25/2025</a:t>
             </a:fld>
             <a:endParaRPr lang="en-US"/>
           </a:p>
@@ -6311,7 +6311,7 @@
           <a:p>
             <a:fld id="{51C1210E-201E-4473-82AC-2466F5386C38}" type="datetime1">
               <a:rPr lang="en-US" smtClean="0"/>
-              <a:t>4/24/2025</a:t>
+              <a:t>4/25/2025</a:t>
             </a:fld>
             <a:endParaRPr lang="en-US"/>
           </a:p>
@@ -6562,7 +6562,7 @@
           <a:p>
             <a:fld id="{B01EA198-6CAB-4B8F-B93F-1F9C8C4B6CE7}" type="datetime1">
               <a:rPr lang="en-US" smtClean="0"/>
-              <a:t>4/24/2025</a:t>
+              <a:t>4/25/2025</a:t>
             </a:fld>
             <a:endParaRPr lang="en-US"/>
           </a:p>
@@ -6859,7 +6859,7 @@
           <a:p>
             <a:fld id="{CA06041F-4525-44D5-AA4F-332294BF1F56}" type="datetime1">
               <a:rPr lang="en-US" smtClean="0"/>
-              <a:t>4/24/2025</a:t>
+              <a:t>4/25/2025</a:t>
             </a:fld>
             <a:endParaRPr lang="en-US"/>
           </a:p>
@@ -7301,7 +7301,7 @@
           <a:p>
             <a:fld id="{F9557091-BBDF-4EB9-BA6B-2BB67AC4FC0F}" type="datetime1">
               <a:rPr lang="en-US" smtClean="0"/>
-              <a:t>4/24/2025</a:t>
+              <a:t>4/25/2025</a:t>
             </a:fld>
             <a:endParaRPr lang="en-US"/>
           </a:p>
@@ -7419,7 +7419,7 @@
           <a:p>
             <a:fld id="{2D6B226B-77A6-410C-9796-083F278E0125}" type="datetime1">
               <a:rPr lang="en-US" smtClean="0"/>
-              <a:t>4/24/2025</a:t>
+              <a:t>4/25/2025</a:t>
             </a:fld>
             <a:endParaRPr lang="en-US"/>
           </a:p>
@@ -7514,7 +7514,7 @@
           <a:p>
             <a:fld id="{A23A578B-D289-4C40-8593-3D356C49DA58}" type="datetime1">
               <a:rPr lang="en-US" smtClean="0"/>
-              <a:t>4/24/2025</a:t>
+              <a:t>4/25/2025</a:t>
             </a:fld>
             <a:endParaRPr lang="en-US"/>
           </a:p>
@@ -7797,7 +7797,7 @@
           <a:p>
             <a:fld id="{713DFAE3-14DB-48A7-A80F-80DDB072CE3D}" type="datetime1">
               <a:rPr lang="en-US" smtClean="0"/>
-              <a:t>4/24/2025</a:t>
+              <a:t>4/25/2025</a:t>
             </a:fld>
             <a:endParaRPr lang="en-US"/>
           </a:p>
@@ -8088,7 +8088,7 @@
           <a:p>
             <a:fld id="{92C5EAEF-6478-4102-8F5D-A5FE9FC97ACB}" type="datetime1">
               <a:rPr lang="en-US" smtClean="0"/>
-              <a:t>4/24/2025</a:t>
+              <a:t>4/25/2025</a:t>
             </a:fld>
             <a:endParaRPr lang="en-US"/>
           </a:p>
@@ -8618,7 +8618,7 @@
           <a:p>
             <a:fld id="{67F45AC6-C491-4585-A584-9CE2AF7D5500}" type="datetime1">
               <a:rPr lang="en-US" smtClean="0"/>
-              <a:t>4/24/2025</a:t>
+              <a:t>4/25/2025</a:t>
             </a:fld>
             <a:endParaRPr lang="en-US"/>
           </a:p>
@@ -9681,12 +9681,84 @@
           </a:p>
         </p:txBody>
       </p:sp>
-      <p:sp>
-        <p:nvSpPr>
-          <p:cNvPr id="9" name="Rectangle 8">
+      <p:pic>
+        <p:nvPicPr>
+          <p:cNvPr id="3" name="Graphic 2" descr="Marker with solid fill">
             <a:extLst>
               <a:ext uri="{FF2B5EF4-FFF2-40B4-BE49-F238E27FC236}">
-                <a16:creationId xmlns:a16="http://schemas.microsoft.com/office/drawing/2014/main" id="{C80236B5-A512-2750-9414-8520EC6F07F5}"/>
+                <a16:creationId xmlns:a16="http://schemas.microsoft.com/office/drawing/2014/main" id="{CF1532F0-7544-9B05-190E-5EC3103F2AE3}"/>
+              </a:ext>
+            </a:extLst>
+          </p:cNvPr>
+          <p:cNvPicPr>
+            <a:picLocks noChangeAspect="1"/>
+          </p:cNvPicPr>
+          <p:nvPr/>
+        </p:nvPicPr>
+        <p:blipFill>
+          <a:blip r:embed="rId3">
+            <a:extLst>
+              <a:ext uri="{96DAC541-7B7A-43D3-8B79-37D633B846F1}">
+                <asvg:svgBlip xmlns:asvg="http://schemas.microsoft.com/office/drawing/2016/SVG/main" r:embed="rId4"/>
+              </a:ext>
+            </a:extLst>
+          </a:blip>
+          <a:stretch>
+            <a:fillRect/>
+          </a:stretch>
+        </p:blipFill>
+        <p:spPr>
+          <a:xfrm>
+            <a:off x="10359158" y="105033"/>
+            <a:ext cx="2085124" cy="2085124"/>
+          </a:xfrm>
+          <a:prstGeom prst="rect">
+            <a:avLst/>
+          </a:prstGeom>
+        </p:spPr>
+      </p:pic>
+      <p:pic>
+        <p:nvPicPr>
+          <p:cNvPr id="4" name="Graphic 3" descr="Marker outline">
+            <a:extLst>
+              <a:ext uri="{FF2B5EF4-FFF2-40B4-BE49-F238E27FC236}">
+                <a16:creationId xmlns:a16="http://schemas.microsoft.com/office/drawing/2014/main" id="{DE6392E7-8E32-A632-0AFE-56D2687B3139}"/>
+              </a:ext>
+            </a:extLst>
+          </p:cNvPr>
+          <p:cNvPicPr>
+            <a:picLocks noChangeAspect="1"/>
+          </p:cNvPicPr>
+          <p:nvPr/>
+        </p:nvPicPr>
+        <p:blipFill>
+          <a:blip r:embed="rId5">
+            <a:extLst>
+              <a:ext uri="{96DAC541-7B7A-43D3-8B79-37D633B846F1}">
+                <asvg:svgBlip xmlns:asvg="http://schemas.microsoft.com/office/drawing/2016/SVG/main" r:embed="rId6"/>
+              </a:ext>
+            </a:extLst>
+          </a:blip>
+          <a:stretch>
+            <a:fillRect/>
+          </a:stretch>
+        </p:blipFill>
+        <p:spPr>
+          <a:xfrm>
+            <a:off x="10327896" y="77493"/>
+            <a:ext cx="2142810" cy="2142810"/>
+          </a:xfrm>
+          <a:prstGeom prst="rect">
+            <a:avLst/>
+          </a:prstGeom>
+        </p:spPr>
+      </p:pic>
+      <p:sp>
+        <p:nvSpPr>
+          <p:cNvPr id="14" name="Rectangle 13">
+            <a:extLst>
+              <a:ext uri="{FF2B5EF4-FFF2-40B4-BE49-F238E27FC236}">
+                <a16:creationId xmlns:a16="http://schemas.microsoft.com/office/drawing/2014/main" id="{632D0267-80C3-F643-357B-BF50F90A3E58}"/>
               </a:ext>
             </a:extLst>
           </p:cNvPr>
@@ -9695,8 +9767,8 @@
         </p:nvSpPr>
         <p:spPr>
           <a:xfrm>
-            <a:off x="3610006" y="2392772"/>
-            <a:ext cx="5675472" cy="4224898"/>
+            <a:off x="1600953" y="2106634"/>
+            <a:ext cx="8184398" cy="4573975"/>
           </a:xfrm>
           <a:prstGeom prst="rect">
             <a:avLst/>
@@ -9742,10 +9814,10 @@
       </p:sp>
       <p:sp>
         <p:nvSpPr>
-          <p:cNvPr id="10" name="Rectangle 9">
+          <p:cNvPr id="15" name="Rectangle 14">
             <a:extLst>
               <a:ext uri="{FF2B5EF4-FFF2-40B4-BE49-F238E27FC236}">
-                <a16:creationId xmlns:a16="http://schemas.microsoft.com/office/drawing/2014/main" id="{68D0388F-3ABC-7CB5-4C24-07C94520F6AE}"/>
+                <a16:creationId xmlns:a16="http://schemas.microsoft.com/office/drawing/2014/main" id="{53B4D1F1-64A6-CEA4-141E-E4396C5E2BEC}"/>
               </a:ext>
             </a:extLst>
           </p:cNvPr>
@@ -9754,8 +9826,8 @@
         </p:nvSpPr>
         <p:spPr>
           <a:xfrm>
-            <a:off x="3610006" y="1566864"/>
-            <a:ext cx="5675472" cy="825909"/>
+            <a:off x="1600953" y="1331118"/>
+            <a:ext cx="8184398" cy="775516"/>
           </a:xfrm>
           <a:prstGeom prst="rect">
             <a:avLst/>
@@ -9806,10 +9878,52 @@
       </p:sp>
       <p:sp>
         <p:nvSpPr>
-          <p:cNvPr id="12" name="Oval 11">
+          <p:cNvPr id="18" name="TextBox 17">
             <a:extLst>
               <a:ext uri="{FF2B5EF4-FFF2-40B4-BE49-F238E27FC236}">
-                <a16:creationId xmlns:a16="http://schemas.microsoft.com/office/drawing/2014/main" id="{BE68A014-C523-2F38-8128-C68701BA9405}"/>
+                <a16:creationId xmlns:a16="http://schemas.microsoft.com/office/drawing/2014/main" id="{C7C5E5FF-ADC6-A81A-EBC1-48C421772521}"/>
+              </a:ext>
+            </a:extLst>
+          </p:cNvPr>
+          <p:cNvSpPr txBox="1"/>
+          <p:nvPr/>
+        </p:nvSpPr>
+        <p:spPr>
+          <a:xfrm>
+            <a:off x="2216540" y="1544016"/>
+            <a:ext cx="4524395" cy="400110"/>
+          </a:xfrm>
+          <a:prstGeom prst="rect">
+            <a:avLst/>
+          </a:prstGeom>
+          <a:noFill/>
+        </p:spPr>
+        <p:txBody>
+          <a:bodyPr wrap="square" rtlCol="0">
+            <a:spAutoFit/>
+          </a:bodyPr>
+          <a:lstStyle/>
+          <a:p>
+            <a:pPr algn="l"/>
+            <a:r>
+              <a:rPr lang="en-GB" sz="2000" b="0" i="0" dirty="0">
+                <a:solidFill>
+                  <a:srgbClr val="F0F6FC"/>
+                </a:solidFill>
+                <a:effectLst/>
+                <a:latin typeface="-apple-system"/>
+              </a:rPr>
+              <a:t>Searching a route to selected destination</a:t>
+            </a:r>
+          </a:p>
+        </p:txBody>
+      </p:sp>
+      <p:sp>
+        <p:nvSpPr>
+          <p:cNvPr id="19" name="Rectangle: Rounded Corners 18">
+            <a:extLst>
+              <a:ext uri="{FF2B5EF4-FFF2-40B4-BE49-F238E27FC236}">
+                <a16:creationId xmlns:a16="http://schemas.microsoft.com/office/drawing/2014/main" id="{12FB9334-5BD7-9ECF-C049-A007579E5FF8}"/>
               </a:ext>
             </a:extLst>
           </p:cNvPr>
@@ -9818,160 +9932,8 @@
         </p:nvSpPr>
         <p:spPr>
           <a:xfrm>
-            <a:off x="3933803" y="1853819"/>
-            <a:ext cx="252000" cy="252000"/>
-          </a:xfrm>
-          <a:prstGeom prst="ellipse">
-            <a:avLst/>
-          </a:prstGeom>
-          <a:noFill/>
-          <a:ln w="28575">
-            <a:solidFill>
-              <a:srgbClr val="00B0F0"/>
-            </a:solidFill>
-          </a:ln>
-        </p:spPr>
-        <p:style>
-          <a:lnRef idx="2">
-            <a:schemeClr val="accent1">
-              <a:shade val="15000"/>
-            </a:schemeClr>
-          </a:lnRef>
-          <a:fillRef idx="1">
-            <a:schemeClr val="accent1"/>
-          </a:fillRef>
-          <a:effectRef idx="0">
-            <a:schemeClr val="accent1"/>
-          </a:effectRef>
-          <a:fontRef idx="minor">
-            <a:schemeClr val="lt1"/>
-          </a:fontRef>
-        </p:style>
-        <p:txBody>
-          <a:bodyPr rtlCol="0" anchor="ctr"/>
-          <a:lstStyle/>
-          <a:p>
-            <a:pPr algn="ctr"/>
-            <a:endParaRPr lang="en-GB"/>
-          </a:p>
-        </p:txBody>
-      </p:sp>
-      <p:sp>
-        <p:nvSpPr>
-          <p:cNvPr id="38" name="Oval 37">
-            <a:extLst>
-              <a:ext uri="{FF2B5EF4-FFF2-40B4-BE49-F238E27FC236}">
-                <a16:creationId xmlns:a16="http://schemas.microsoft.com/office/drawing/2014/main" id="{9247FA64-8797-D751-674B-C77D2013E113}"/>
-              </a:ext>
-            </a:extLst>
-          </p:cNvPr>
-          <p:cNvSpPr/>
-          <p:nvPr/>
-        </p:nvSpPr>
-        <p:spPr>
-          <a:xfrm>
-            <a:off x="4023803" y="1939229"/>
-            <a:ext cx="72000" cy="72000"/>
-          </a:xfrm>
-          <a:prstGeom prst="ellipse">
-            <a:avLst/>
-          </a:prstGeom>
-          <a:solidFill>
-            <a:srgbClr val="00B0F0"/>
-          </a:solidFill>
-          <a:ln w="60325">
-            <a:noFill/>
-          </a:ln>
-        </p:spPr>
-        <p:style>
-          <a:lnRef idx="2">
-            <a:schemeClr val="accent1">
-              <a:shade val="15000"/>
-            </a:schemeClr>
-          </a:lnRef>
-          <a:fillRef idx="1">
-            <a:schemeClr val="accent1"/>
-          </a:fillRef>
-          <a:effectRef idx="0">
-            <a:schemeClr val="accent1"/>
-          </a:effectRef>
-          <a:fontRef idx="minor">
-            <a:schemeClr val="lt1"/>
-          </a:fontRef>
-        </p:style>
-        <p:txBody>
-          <a:bodyPr rtlCol="0" anchor="ctr"/>
-          <a:lstStyle/>
-          <a:p>
-            <a:pPr algn="ctr"/>
-            <a:endParaRPr lang="en-GB"/>
-          </a:p>
-        </p:txBody>
-      </p:sp>
-      <p:sp>
-        <p:nvSpPr>
-          <p:cNvPr id="41" name="TextBox 40">
-            <a:extLst>
-              <a:ext uri="{FF2B5EF4-FFF2-40B4-BE49-F238E27FC236}">
-                <a16:creationId xmlns:a16="http://schemas.microsoft.com/office/drawing/2014/main" id="{456A03FB-3521-9ABD-E048-EF24F5F86113}"/>
-              </a:ext>
-            </a:extLst>
-          </p:cNvPr>
-          <p:cNvSpPr txBox="1"/>
-          <p:nvPr/>
-        </p:nvSpPr>
-        <p:spPr>
-          <a:xfrm>
-            <a:off x="4225594" y="1779764"/>
-            <a:ext cx="3984709" cy="400110"/>
-          </a:xfrm>
-          <a:prstGeom prst="rect">
-            <a:avLst/>
-          </a:prstGeom>
-          <a:noFill/>
-        </p:spPr>
-        <p:txBody>
-          <a:bodyPr wrap="square" rtlCol="0">
-            <a:spAutoFit/>
-          </a:bodyPr>
-          <a:lstStyle/>
-          <a:p>
-            <a:r>
-              <a:rPr lang="en-GB" sz="2000" i="1">
-                <a:solidFill>
-                  <a:schemeClr val="bg1"/>
-                </a:solidFill>
-                <a:latin typeface="Segoe UI" panose="020B0502040204020203" pitchFamily="34" charset="0"/>
-                <a:cs typeface="Segoe UI" panose="020B0502040204020203" pitchFamily="34" charset="0"/>
-              </a:rPr>
-              <a:t>View Travel Expenditure Summary</a:t>
-            </a:r>
-            <a:endParaRPr lang="en-GB" sz="2000" i="1" dirty="0">
-              <a:solidFill>
-                <a:schemeClr val="bg1"/>
-              </a:solidFill>
-              <a:latin typeface="Segoe UI" panose="020B0502040204020203" pitchFamily="34" charset="0"/>
-              <a:cs typeface="Segoe UI" panose="020B0502040204020203" pitchFamily="34" charset="0"/>
-            </a:endParaRPr>
-          </a:p>
-        </p:txBody>
-      </p:sp>
-      <p:sp>
-        <p:nvSpPr>
-          <p:cNvPr id="42" name="Rectangle: Rounded Corners 41">
-            <a:extLst>
-              <a:ext uri="{FF2B5EF4-FFF2-40B4-BE49-F238E27FC236}">
-                <a16:creationId xmlns:a16="http://schemas.microsoft.com/office/drawing/2014/main" id="{53530F45-FA45-D997-815A-70BA62D53972}"/>
-              </a:ext>
-            </a:extLst>
-          </p:cNvPr>
-          <p:cNvSpPr/>
-          <p:nvPr/>
-        </p:nvSpPr>
-        <p:spPr>
-          <a:xfrm>
-            <a:off x="8152691" y="1875171"/>
-            <a:ext cx="866392" cy="209295"/>
+            <a:off x="6676104" y="1634834"/>
+            <a:ext cx="801163" cy="218179"/>
           </a:xfrm>
           <a:prstGeom prst="roundRect">
             <a:avLst>
@@ -10023,10 +9985,10 @@
       </p:sp>
       <p:sp>
         <p:nvSpPr>
-          <p:cNvPr id="43" name="TextBox 42">
+          <p:cNvPr id="20" name="TextBox 19">
             <a:extLst>
               <a:ext uri="{FF2B5EF4-FFF2-40B4-BE49-F238E27FC236}">
-                <a16:creationId xmlns:a16="http://schemas.microsoft.com/office/drawing/2014/main" id="{0A5F1B94-D062-65EC-32B0-E35654712D99}"/>
+                <a16:creationId xmlns:a16="http://schemas.microsoft.com/office/drawing/2014/main" id="{FB4E2BB4-B5B1-DB74-A22D-98FB76E68B39}"/>
               </a:ext>
             </a:extLst>
           </p:cNvPr>
@@ -10035,8 +9997,8 @@
         </p:nvSpPr>
         <p:spPr>
           <a:xfrm>
-            <a:off x="3747366" y="2507654"/>
-            <a:ext cx="5271717" cy="4031873"/>
+            <a:off x="1724758" y="2197452"/>
+            <a:ext cx="7955427" cy="4533549"/>
           </a:xfrm>
           <a:prstGeom prst="rect">
             <a:avLst/>
@@ -10050,7 +10012,7 @@
           <a:lstStyle/>
           <a:p>
             <a:r>
-              <a:rPr lang="en-GB" sz="800" b="1" i="1" dirty="0">
+              <a:rPr lang="en-GB" sz="770" b="1" i="1" dirty="0">
                 <a:solidFill>
                   <a:schemeClr val="bg1"/>
                 </a:solidFill>
@@ -10060,18 +10022,18 @@
               <a:t>Actors: </a:t>
             </a:r>
             <a:r>
-              <a:rPr lang="en-GB" sz="800" i="1" dirty="0">
-                <a:solidFill>
-                  <a:schemeClr val="bg1"/>
-                </a:solidFill>
-                <a:latin typeface="Segoe UI" panose="020B0502040204020203" pitchFamily="34" charset="0"/>
-                <a:cs typeface="Segoe UI" panose="020B0502040204020203" pitchFamily="34" charset="0"/>
+              <a:rPr lang="en-GB" sz="770" b="0" i="0" dirty="0">
+                <a:solidFill>
+                  <a:srgbClr val="F0F6FC"/>
+                </a:solidFill>
+                <a:effectLst/>
+                <a:latin typeface="-apple-system"/>
               </a:rPr>
-              <a:t>Connection searcher</a:t>
-            </a:r>
-          </a:p>
-          <a:p>
-            <a:endParaRPr lang="en-GB" sz="800" b="1" i="1" dirty="0">
+              <a:t>LightSpeed user that wants to get somewhere.</a:t>
+            </a:r>
+          </a:p>
+          <a:p>
+            <a:endParaRPr lang="en-GB" sz="770" i="1" dirty="0">
               <a:solidFill>
                 <a:schemeClr val="bg1"/>
               </a:solidFill>
@@ -10081,7 +10043,7 @@
           </a:p>
           <a:p>
             <a:r>
-              <a:rPr lang="en-GB" sz="800" b="1" i="1" dirty="0">
+              <a:rPr lang="en-GB" sz="770" b="1" i="1" dirty="0">
                 <a:solidFill>
                   <a:schemeClr val="bg1"/>
                 </a:solidFill>
@@ -10093,42 +10055,72 @@
           </a:p>
           <a:p>
             <a:r>
-              <a:rPr lang="en-GB" sz="800" i="1" dirty="0">
-                <a:solidFill>
-                  <a:schemeClr val="bg1"/>
-                </a:solidFill>
-                <a:latin typeface="Segoe UI" panose="020B0502040204020203" pitchFamily="34" charset="0"/>
-                <a:cs typeface="Segoe UI" panose="020B0502040204020203" pitchFamily="34" charset="0"/>
+              <a:rPr lang="en-GB" sz="770" b="0" i="1" dirty="0">
+                <a:solidFill>
+                  <a:srgbClr val="F0F6FC"/>
+                </a:solidFill>
+                <a:effectLst/>
+                <a:latin typeface="-apple-system"/>
               </a:rPr>
-              <a:t>a. The user has an account and is logged into the LightSpeed app.</a:t>
-            </a:r>
-          </a:p>
-          <a:p>
-            <a:r>
-              <a:rPr lang="en-GB" sz="800" i="1" dirty="0">
-                <a:solidFill>
-                  <a:schemeClr val="bg1"/>
-                </a:solidFill>
-                <a:latin typeface="Segoe UI" panose="020B0502040204020203" pitchFamily="34" charset="0"/>
-                <a:cs typeface="Segoe UI" panose="020B0502040204020203" pitchFamily="34" charset="0"/>
+              <a:t>a.</a:t>
+            </a:r>
+            <a:r>
+              <a:rPr lang="en-GB" sz="770" b="0" i="0" dirty="0">
+                <a:solidFill>
+                  <a:srgbClr val="F0F6FC"/>
+                </a:solidFill>
+                <a:effectLst/>
+                <a:latin typeface="-apple-system"/>
               </a:rPr>
-              <a:t>b. The user is on the default search homepage of the LightSpeed app.</a:t>
-            </a:r>
-          </a:p>
-          <a:p>
-            <a:r>
-              <a:rPr lang="en-GB" sz="800" i="1" dirty="0">
-                <a:solidFill>
-                  <a:schemeClr val="bg1"/>
-                </a:solidFill>
-                <a:latin typeface="Segoe UI" panose="020B0502040204020203" pitchFamily="34" charset="0"/>
-                <a:cs typeface="Segoe UI" panose="020B0502040204020203" pitchFamily="34" charset="0"/>
+              <a:t> The user has an account and is logged into the LightSpeed app.</a:t>
+            </a:r>
+          </a:p>
+          <a:p>
+            <a:r>
+              <a:rPr lang="en-GB" sz="770" b="0" i="1" dirty="0">
+                <a:solidFill>
+                  <a:srgbClr val="F0F6FC"/>
+                </a:solidFill>
+                <a:effectLst/>
+                <a:latin typeface="-apple-system"/>
               </a:rPr>
-              <a:t>c. The user wants to apply a filter to transportation types, so that he does not need to take those he does not like.</a:t>
-            </a:r>
-          </a:p>
-          <a:p>
-            <a:endParaRPr lang="en-GB" sz="800" b="1" i="1" dirty="0">
+              <a:t>b.</a:t>
+            </a:r>
+            <a:r>
+              <a:rPr lang="en-GB" sz="770" b="0" i="0" dirty="0">
+                <a:solidFill>
+                  <a:srgbClr val="F0F6FC"/>
+                </a:solidFill>
+                <a:effectLst/>
+                <a:latin typeface="-apple-system"/>
+              </a:rPr>
+              <a:t> The user is on the default search homepage of the LightSpeed app.</a:t>
+            </a:r>
+          </a:p>
+          <a:p>
+            <a:r>
+              <a:rPr lang="en-GB" sz="770" b="0" i="1" dirty="0">
+                <a:solidFill>
+                  <a:srgbClr val="F0F6FC"/>
+                </a:solidFill>
+                <a:effectLst/>
+                <a:latin typeface="-apple-system"/>
+              </a:rPr>
+              <a:t>c.</a:t>
+            </a:r>
+            <a:r>
+              <a:rPr lang="en-GB" sz="770" b="0" i="0" dirty="0">
+                <a:solidFill>
+                  <a:srgbClr val="F0F6FC"/>
+                </a:solidFill>
+                <a:effectLst/>
+                <a:latin typeface="-apple-system"/>
+              </a:rPr>
+              <a:t> The user wants to get to a destination of his choosing.</a:t>
+            </a:r>
+          </a:p>
+          <a:p>
+            <a:endParaRPr lang="en-GB" sz="770" b="1" i="1" dirty="0">
               <a:solidFill>
                 <a:schemeClr val="bg1"/>
               </a:solidFill>
@@ -10138,7 +10130,7 @@
           </a:p>
           <a:p>
             <a:r>
-              <a:rPr lang="en-GB" sz="800" b="1" i="1" dirty="0">
+              <a:rPr lang="en-GB" sz="770" b="1" i="1" dirty="0">
                 <a:solidFill>
                   <a:schemeClr val="bg1"/>
                 </a:solidFill>
@@ -10149,175 +10141,689 @@
             </a:r>
           </a:p>
           <a:p>
-            <a:r>
-              <a:rPr lang="en-GB" sz="800" i="1" dirty="0">
+            <a:pPr algn="l">
+              <a:buFont typeface="+mj-lt"/>
+              <a:buAutoNum type="arabicPeriod"/>
+            </a:pPr>
+            <a:r>
+              <a:rPr lang="en-GB" sz="770" b="0" i="1" dirty="0">
+                <a:solidFill>
+                  <a:srgbClr val="F0F6FC"/>
+                </a:solidFill>
+                <a:effectLst/>
+                <a:latin typeface="-apple-system"/>
+              </a:rPr>
+              <a:t> </a:t>
+            </a:r>
+            <a:r>
+              <a:rPr lang="en-GB" sz="770" b="0" dirty="0">
+                <a:solidFill>
+                  <a:srgbClr val="F0F6FC"/>
+                </a:solidFill>
+                <a:effectLst/>
+                <a:latin typeface="-apple-system"/>
+              </a:rPr>
+              <a:t>Sys</a:t>
+            </a:r>
+            <a:r>
+              <a:rPr lang="en-GB" sz="770" b="0" i="0" dirty="0">
+                <a:solidFill>
+                  <a:srgbClr val="F0F6FC"/>
+                </a:solidFill>
+                <a:effectLst/>
+                <a:latin typeface="-apple-system"/>
+              </a:rPr>
+              <a:t>tem prompts the user to select a starting point for their journey.</a:t>
+            </a:r>
+          </a:p>
+          <a:p>
+            <a:pPr algn="l">
+              <a:buFont typeface="+mj-lt"/>
+              <a:buAutoNum type="arabicPeriod"/>
+            </a:pPr>
+            <a:r>
+              <a:rPr lang="en-GB" sz="770" b="0" i="1" dirty="0">
+                <a:solidFill>
+                  <a:srgbClr val="F0F6FC"/>
+                </a:solidFill>
+                <a:effectLst/>
+                <a:latin typeface="-apple-system"/>
+              </a:rPr>
+              <a:t> </a:t>
+            </a:r>
+            <a:r>
+              <a:rPr lang="en-GB" sz="770" b="0" i="0" dirty="0">
+                <a:solidFill>
+                  <a:srgbClr val="F0F6FC"/>
+                </a:solidFill>
+                <a:effectLst/>
+                <a:latin typeface="-apple-system"/>
+              </a:rPr>
+              <a:t>The user enters a starting point.</a:t>
+            </a:r>
+          </a:p>
+          <a:p>
+            <a:pPr algn="l">
+              <a:buFont typeface="+mj-lt"/>
+              <a:buAutoNum type="arabicPeriod"/>
+            </a:pPr>
+            <a:r>
+              <a:rPr lang="en-GB" sz="770" b="0" i="1" dirty="0">
+                <a:solidFill>
+                  <a:srgbClr val="F0F6FC"/>
+                </a:solidFill>
+                <a:effectLst/>
+                <a:latin typeface="-apple-system"/>
+              </a:rPr>
+              <a:t> </a:t>
+            </a:r>
+            <a:r>
+              <a:rPr lang="en-GB" sz="770" b="0" i="0" dirty="0">
+                <a:solidFill>
+                  <a:srgbClr val="F0F6FC"/>
+                </a:solidFill>
+                <a:effectLst/>
+                <a:latin typeface="-apple-system"/>
+              </a:rPr>
+              <a:t>The system shows possible starting points, based on the user input, on a map.</a:t>
+            </a:r>
+          </a:p>
+          <a:p>
+            <a:pPr algn="l">
+              <a:buFont typeface="+mj-lt"/>
+              <a:buAutoNum type="arabicPeriod"/>
+            </a:pPr>
+            <a:r>
+              <a:rPr lang="en-GB" sz="770" b="0" i="1" dirty="0">
+                <a:solidFill>
+                  <a:srgbClr val="F0F6FC"/>
+                </a:solidFill>
+                <a:effectLst/>
+                <a:latin typeface="-apple-system"/>
+              </a:rPr>
+              <a:t> </a:t>
+            </a:r>
+            <a:r>
+              <a:rPr lang="en-GB" sz="770" b="0" i="0" dirty="0">
+                <a:solidFill>
+                  <a:srgbClr val="F0F6FC"/>
+                </a:solidFill>
+                <a:effectLst/>
+                <a:latin typeface="-apple-system"/>
+              </a:rPr>
+              <a:t>The user selects the desired starting point option.</a:t>
+            </a:r>
+          </a:p>
+          <a:p>
+            <a:pPr algn="l">
+              <a:buFont typeface="+mj-lt"/>
+              <a:buAutoNum type="arabicPeriod"/>
+            </a:pPr>
+            <a:r>
+              <a:rPr lang="en-GB" sz="770" b="0" i="1" dirty="0">
+                <a:solidFill>
+                  <a:srgbClr val="F0F6FC"/>
+                </a:solidFill>
+                <a:effectLst/>
+                <a:latin typeface="-apple-system"/>
+              </a:rPr>
+              <a:t> </a:t>
+            </a:r>
+            <a:r>
+              <a:rPr lang="en-GB" sz="770" b="0" i="0" dirty="0">
+                <a:solidFill>
+                  <a:srgbClr val="F0F6FC"/>
+                </a:solidFill>
+                <a:effectLst/>
+                <a:latin typeface="-apple-system"/>
+              </a:rPr>
+              <a:t>System prompts the user to select the destination for their journey.</a:t>
+            </a:r>
+          </a:p>
+          <a:p>
+            <a:pPr algn="l">
+              <a:buFont typeface="+mj-lt"/>
+              <a:buAutoNum type="arabicPeriod"/>
+            </a:pPr>
+            <a:r>
+              <a:rPr lang="en-GB" sz="770" b="0" i="1" dirty="0">
+                <a:solidFill>
+                  <a:srgbClr val="F0F6FC"/>
+                </a:solidFill>
+                <a:effectLst/>
+                <a:latin typeface="-apple-system"/>
+              </a:rPr>
+              <a:t> </a:t>
+            </a:r>
+            <a:r>
+              <a:rPr lang="en-GB" sz="770" b="0" i="0" dirty="0">
+                <a:solidFill>
+                  <a:srgbClr val="F0F6FC"/>
+                </a:solidFill>
+                <a:effectLst/>
+                <a:latin typeface="-apple-system"/>
+              </a:rPr>
+              <a:t>The user enters the destination.</a:t>
+            </a:r>
+          </a:p>
+          <a:p>
+            <a:pPr algn="l">
+              <a:buFont typeface="+mj-lt"/>
+              <a:buAutoNum type="arabicPeriod"/>
+            </a:pPr>
+            <a:r>
+              <a:rPr lang="en-GB" sz="770" b="0" i="1" dirty="0">
+                <a:solidFill>
+                  <a:srgbClr val="F0F6FC"/>
+                </a:solidFill>
+                <a:effectLst/>
+                <a:latin typeface="-apple-system"/>
+              </a:rPr>
+              <a:t> </a:t>
+            </a:r>
+            <a:r>
+              <a:rPr lang="en-GB" sz="770" b="0" i="0" dirty="0">
+                <a:solidFill>
+                  <a:srgbClr val="F0F6FC"/>
+                </a:solidFill>
+                <a:effectLst/>
+                <a:latin typeface="-apple-system"/>
+              </a:rPr>
+              <a:t>The system shows possible destinations, based on the user input, on a map.</a:t>
+            </a:r>
+          </a:p>
+          <a:p>
+            <a:pPr algn="l">
+              <a:buFont typeface="+mj-lt"/>
+              <a:buAutoNum type="arabicPeriod"/>
+            </a:pPr>
+            <a:r>
+              <a:rPr lang="en-GB" sz="770" b="0" i="1" dirty="0">
+                <a:solidFill>
+                  <a:srgbClr val="F0F6FC"/>
+                </a:solidFill>
+                <a:effectLst/>
+                <a:latin typeface="-apple-system"/>
+              </a:rPr>
+              <a:t> </a:t>
+            </a:r>
+            <a:r>
+              <a:rPr lang="en-GB" sz="770" b="0" i="0" dirty="0">
+                <a:solidFill>
+                  <a:srgbClr val="F0F6FC"/>
+                </a:solidFill>
+                <a:effectLst/>
+                <a:latin typeface="-apple-system"/>
+              </a:rPr>
+              <a:t>The user selects the desired destination option.</a:t>
+            </a:r>
+          </a:p>
+          <a:p>
+            <a:pPr algn="l">
+              <a:buFont typeface="+mj-lt"/>
+              <a:buAutoNum type="arabicPeriod"/>
+            </a:pPr>
+            <a:r>
+              <a:rPr lang="en-GB" sz="770" b="0" i="1" dirty="0">
+                <a:solidFill>
+                  <a:srgbClr val="F0F6FC"/>
+                </a:solidFill>
+                <a:effectLst/>
+                <a:latin typeface="-apple-system"/>
+              </a:rPr>
+              <a:t> </a:t>
+            </a:r>
+            <a:r>
+              <a:rPr lang="en-GB" sz="770" b="0" i="0" dirty="0">
+                <a:solidFill>
+                  <a:srgbClr val="F0F6FC"/>
+                </a:solidFill>
+                <a:effectLst/>
+                <a:latin typeface="-apple-system"/>
+              </a:rPr>
+              <a:t>The system takes the user to the route options page.</a:t>
+            </a:r>
+          </a:p>
+          <a:p>
+            <a:pPr algn="l">
+              <a:buFont typeface="+mj-lt"/>
+              <a:buAutoNum type="arabicPeriod"/>
+            </a:pPr>
+            <a:r>
+              <a:rPr lang="en-GB" sz="770" b="0" i="1" dirty="0">
+                <a:solidFill>
+                  <a:srgbClr val="F0F6FC"/>
+                </a:solidFill>
+                <a:effectLst/>
+                <a:latin typeface="-apple-system"/>
+              </a:rPr>
+              <a:t> </a:t>
+            </a:r>
+            <a:r>
+              <a:rPr lang="en-GB" sz="770" b="0" i="0" dirty="0">
+                <a:solidFill>
+                  <a:srgbClr val="F0F6FC"/>
+                </a:solidFill>
+                <a:effectLst/>
+                <a:latin typeface="-apple-system"/>
+              </a:rPr>
+              <a:t>The user selects his preferences.</a:t>
+            </a:r>
+          </a:p>
+          <a:p>
+            <a:pPr algn="l">
+              <a:buFont typeface="+mj-lt"/>
+              <a:buAutoNum type="arabicPeriod"/>
+            </a:pPr>
+            <a:r>
+              <a:rPr lang="en-GB" sz="770" b="0" i="1" dirty="0">
+                <a:solidFill>
+                  <a:srgbClr val="F0F6FC"/>
+                </a:solidFill>
+                <a:effectLst/>
+                <a:latin typeface="-apple-system"/>
+              </a:rPr>
+              <a:t> </a:t>
+            </a:r>
+            <a:r>
+              <a:rPr lang="en-GB" sz="770" b="0" i="0" dirty="0">
+                <a:solidFill>
+                  <a:srgbClr val="F0F6FC"/>
+                </a:solidFill>
+                <a:effectLst/>
+                <a:latin typeface="-apple-system"/>
+              </a:rPr>
+              <a:t>The system searches for a route from the selected starting point to the desired destination.</a:t>
+            </a:r>
+          </a:p>
+          <a:p>
+            <a:pPr algn="l">
+              <a:buFont typeface="+mj-lt"/>
+              <a:buAutoNum type="arabicPeriod"/>
+            </a:pPr>
+            <a:r>
+              <a:rPr lang="en-GB" sz="770" b="0" i="1" dirty="0">
+                <a:solidFill>
+                  <a:srgbClr val="F0F6FC"/>
+                </a:solidFill>
+                <a:effectLst/>
+                <a:latin typeface="-apple-system"/>
+              </a:rPr>
+              <a:t> </a:t>
+            </a:r>
+            <a:r>
+              <a:rPr lang="en-GB" sz="770" b="0" i="0" dirty="0">
+                <a:solidFill>
+                  <a:srgbClr val="F0F6FC"/>
+                </a:solidFill>
+                <a:effectLst/>
+                <a:latin typeface="-apple-system"/>
+              </a:rPr>
+              <a:t>The system takes the user to the connections page, showing the user all possible connections with their respective overview, filtered by time of arrival to the desired destination.</a:t>
+            </a:r>
+          </a:p>
+          <a:p>
+            <a:pPr algn="l">
+              <a:buFont typeface="+mj-lt"/>
+              <a:buAutoNum type="arabicPeriod"/>
+            </a:pPr>
+            <a:r>
+              <a:rPr lang="en-GB" sz="770" b="0" i="1" dirty="0">
+                <a:solidFill>
+                  <a:srgbClr val="F0F6FC"/>
+                </a:solidFill>
+                <a:effectLst/>
+                <a:latin typeface="-apple-system"/>
+              </a:rPr>
+              <a:t> </a:t>
+            </a:r>
+            <a:r>
+              <a:rPr lang="en-GB" sz="770" b="0" i="0" dirty="0">
+                <a:solidFill>
+                  <a:srgbClr val="F0F6FC"/>
+                </a:solidFill>
+                <a:effectLst/>
+                <a:latin typeface="-apple-system"/>
+              </a:rPr>
+              <a:t>The user selects his preferred route.</a:t>
+            </a:r>
+          </a:p>
+          <a:p>
+            <a:pPr algn="l">
+              <a:buFont typeface="+mj-lt"/>
+              <a:buAutoNum type="arabicPeriod"/>
+            </a:pPr>
+            <a:r>
+              <a:rPr lang="en-GB" sz="770" b="0" i="1" dirty="0">
+                <a:solidFill>
+                  <a:srgbClr val="F0F6FC"/>
+                </a:solidFill>
+                <a:effectLst/>
+                <a:latin typeface="-apple-system"/>
+              </a:rPr>
+              <a:t> </a:t>
+            </a:r>
+            <a:r>
+              <a:rPr lang="en-GB" sz="770" b="0" i="0" dirty="0">
+                <a:solidFill>
+                  <a:srgbClr val="F0F6FC"/>
+                </a:solidFill>
+                <a:effectLst/>
+                <a:latin typeface="-apple-system"/>
+              </a:rPr>
+              <a:t>The system calculates the cost and prompts the user to select a payment option from a pop-up window.</a:t>
+            </a:r>
+          </a:p>
+          <a:p>
+            <a:pPr algn="l">
+              <a:buFont typeface="+mj-lt"/>
+              <a:buAutoNum type="arabicPeriod"/>
+            </a:pPr>
+            <a:r>
+              <a:rPr lang="en-GB" sz="770" b="0" i="1" dirty="0">
+                <a:solidFill>
+                  <a:srgbClr val="F0F6FC"/>
+                </a:solidFill>
+                <a:effectLst/>
+                <a:latin typeface="-apple-system"/>
+              </a:rPr>
+              <a:t> </a:t>
+            </a:r>
+            <a:r>
+              <a:rPr lang="en-GB" sz="770" b="0" i="0" dirty="0">
+                <a:solidFill>
+                  <a:srgbClr val="F0F6FC"/>
+                </a:solidFill>
+                <a:effectLst/>
+                <a:latin typeface="-apple-system"/>
+              </a:rPr>
+              <a:t>The user selects the payment option best suited for him.</a:t>
+            </a:r>
+          </a:p>
+          <a:p>
+            <a:pPr algn="l">
+              <a:buFont typeface="+mj-lt"/>
+              <a:buAutoNum type="arabicPeriod"/>
+            </a:pPr>
+            <a:r>
+              <a:rPr lang="en-GB" sz="770" b="0" i="1" dirty="0">
+                <a:solidFill>
+                  <a:srgbClr val="F0F6FC"/>
+                </a:solidFill>
+                <a:effectLst/>
+                <a:latin typeface="-apple-system"/>
+              </a:rPr>
+              <a:t> </a:t>
+            </a:r>
+            <a:r>
+              <a:rPr lang="en-GB" sz="770" b="0" i="0" dirty="0">
+                <a:solidFill>
+                  <a:srgbClr val="F0F6FC"/>
+                </a:solidFill>
+                <a:effectLst/>
+                <a:latin typeface="-apple-system"/>
+              </a:rPr>
+              <a:t>The system takes the user to the payment page.</a:t>
+            </a:r>
+          </a:p>
+          <a:p>
+            <a:pPr algn="l">
+              <a:buFont typeface="+mj-lt"/>
+              <a:buAutoNum type="arabicPeriod"/>
+            </a:pPr>
+            <a:r>
+              <a:rPr lang="en-GB" sz="770" b="0" i="1" dirty="0">
+                <a:solidFill>
+                  <a:srgbClr val="F0F6FC"/>
+                </a:solidFill>
+                <a:effectLst/>
+                <a:latin typeface="-apple-system"/>
+              </a:rPr>
+              <a:t> </a:t>
+            </a:r>
+            <a:r>
+              <a:rPr lang="en-GB" sz="770" b="0" i="0" dirty="0">
+                <a:solidFill>
+                  <a:srgbClr val="F0F6FC"/>
+                </a:solidFill>
+                <a:effectLst/>
+                <a:latin typeface="-apple-system"/>
+              </a:rPr>
+              <a:t>The user fills in payment data and clicks pay.</a:t>
+            </a:r>
+          </a:p>
+          <a:p>
+            <a:pPr algn="l">
+              <a:buFont typeface="+mj-lt"/>
+              <a:buAutoNum type="arabicPeriod"/>
+            </a:pPr>
+            <a:r>
+              <a:rPr lang="en-GB" sz="770" b="0" i="1" dirty="0">
+                <a:solidFill>
+                  <a:srgbClr val="F0F6FC"/>
+                </a:solidFill>
+                <a:effectLst/>
+                <a:latin typeface="-apple-system"/>
+              </a:rPr>
+              <a:t> </a:t>
+            </a:r>
+            <a:r>
+              <a:rPr lang="en-GB" sz="770" b="0" i="0" dirty="0">
+                <a:solidFill>
+                  <a:srgbClr val="F0F6FC"/>
+                </a:solidFill>
+                <a:effectLst/>
+                <a:latin typeface="-apple-system"/>
+              </a:rPr>
+              <a:t>The system takes the payment data and checks it.</a:t>
+            </a:r>
+          </a:p>
+          <a:p>
+            <a:pPr algn="l">
+              <a:buFont typeface="+mj-lt"/>
+              <a:buAutoNum type="arabicPeriod"/>
+            </a:pPr>
+            <a:r>
+              <a:rPr lang="en-GB" sz="770" b="0" i="1" dirty="0">
+                <a:solidFill>
+                  <a:srgbClr val="F0F6FC"/>
+                </a:solidFill>
+                <a:effectLst/>
+                <a:latin typeface="-apple-system"/>
+              </a:rPr>
+              <a:t> </a:t>
+            </a:r>
+            <a:r>
+              <a:rPr lang="en-GB" sz="770" b="0" i="0" dirty="0">
+                <a:solidFill>
+                  <a:srgbClr val="F0F6FC"/>
+                </a:solidFill>
+                <a:effectLst/>
+                <a:latin typeface="-apple-system"/>
+              </a:rPr>
+              <a:t>The system makes the transaction.</a:t>
+            </a:r>
+          </a:p>
+          <a:p>
+            <a:pPr algn="l">
+              <a:buFont typeface="+mj-lt"/>
+              <a:buAutoNum type="arabicPeriod"/>
+            </a:pPr>
+            <a:r>
+              <a:rPr lang="en-GB" sz="770" b="0" i="1" dirty="0">
+                <a:solidFill>
+                  <a:srgbClr val="F0F6FC"/>
+                </a:solidFill>
+                <a:effectLst/>
+                <a:latin typeface="-apple-system"/>
+              </a:rPr>
+              <a:t> </a:t>
+            </a:r>
+            <a:r>
+              <a:rPr lang="en-GB" sz="770" b="0" i="0" dirty="0">
+                <a:solidFill>
+                  <a:srgbClr val="F0F6FC"/>
+                </a:solidFill>
+                <a:effectLst/>
+                <a:latin typeface="-apple-system"/>
+              </a:rPr>
+              <a:t>The system takes the user to the Travel Overview page</a:t>
+            </a:r>
+          </a:p>
+          <a:p>
+            <a:pPr algn="l">
+              <a:buFont typeface="+mj-lt"/>
+              <a:buAutoNum type="arabicPeriod"/>
+            </a:pPr>
+            <a:endParaRPr lang="en-GB" sz="770" b="0" i="0" dirty="0">
+              <a:solidFill>
+                <a:srgbClr val="F0F6FC"/>
+              </a:solidFill>
+              <a:effectLst/>
+              <a:latin typeface="-apple-system"/>
+            </a:endParaRPr>
+          </a:p>
+          <a:p>
+            <a:r>
+              <a:rPr lang="en-GB" sz="770" b="1" i="1" dirty="0">
                 <a:solidFill>
                   <a:schemeClr val="bg1"/>
                 </a:solidFill>
                 <a:latin typeface="Segoe UI" panose="020B0502040204020203" pitchFamily="34" charset="0"/>
                 <a:cs typeface="Segoe UI" panose="020B0502040204020203" pitchFamily="34" charset="0"/>
               </a:rPr>
-              <a:t>1. System prompts the user to select a starting point for their journey.</a:t>
-            </a:r>
-          </a:p>
-          <a:p>
-            <a:r>
-              <a:rPr lang="en-GB" sz="800" i="1" dirty="0">
-                <a:solidFill>
-                  <a:schemeClr val="bg1"/>
-                </a:solidFill>
-                <a:latin typeface="Segoe UI" panose="020B0502040204020203" pitchFamily="34" charset="0"/>
-                <a:cs typeface="Segoe UI" panose="020B0502040204020203" pitchFamily="34" charset="0"/>
+              <a:t>Alternative flows:</a:t>
+            </a:r>
+          </a:p>
+          <a:p>
+            <a:r>
+              <a:rPr lang="en-GB" sz="770" b="0" i="1" dirty="0">
+                <a:solidFill>
+                  <a:srgbClr val="F0F6FC"/>
+                </a:solidFill>
+                <a:effectLst/>
+                <a:latin typeface="-apple-system"/>
               </a:rPr>
-              <a:t>2. The user enters a starting point.</a:t>
-            </a:r>
-          </a:p>
-          <a:p>
-            <a:r>
-              <a:rPr lang="en-GB" sz="800" i="1" dirty="0">
-                <a:solidFill>
-                  <a:schemeClr val="bg1"/>
-                </a:solidFill>
-                <a:latin typeface="Segoe UI" panose="020B0502040204020203" pitchFamily="34" charset="0"/>
-                <a:cs typeface="Segoe UI" panose="020B0502040204020203" pitchFamily="34" charset="0"/>
+              <a:t>2b.</a:t>
+            </a:r>
+            <a:r>
+              <a:rPr lang="en-GB" sz="770" b="0" i="0" dirty="0">
+                <a:solidFill>
+                  <a:srgbClr val="F0F6FC"/>
+                </a:solidFill>
+                <a:effectLst/>
+                <a:latin typeface="-apple-system"/>
               </a:rPr>
-              <a:t>3. The system shows possible starting points, based on the user input, on a map.</a:t>
-            </a:r>
-          </a:p>
-          <a:p>
-            <a:r>
-              <a:rPr lang="en-GB" sz="800" i="1" dirty="0">
-                <a:solidFill>
-                  <a:schemeClr val="bg1"/>
-                </a:solidFill>
-                <a:latin typeface="Segoe UI" panose="020B0502040204020203" pitchFamily="34" charset="0"/>
-                <a:cs typeface="Segoe UI" panose="020B0502040204020203" pitchFamily="34" charset="0"/>
+              <a:t> The user selects the current location options.</a:t>
+            </a:r>
+            <a:br>
+              <a:rPr lang="en-GB" sz="770" dirty="0"/>
+            </a:br>
+            <a:r>
+              <a:rPr lang="en-GB" sz="770" b="0" i="1" dirty="0">
+                <a:solidFill>
+                  <a:srgbClr val="F0F6FC"/>
+                </a:solidFill>
+                <a:effectLst/>
+                <a:latin typeface="-apple-system"/>
               </a:rPr>
-              <a:t>4. The user selects the desired starting point option.</a:t>
-            </a:r>
-          </a:p>
-          <a:p>
-            <a:r>
-              <a:rPr lang="en-GB" sz="800" i="1" dirty="0">
-                <a:solidFill>
-                  <a:schemeClr val="bg1"/>
-                </a:solidFill>
-                <a:latin typeface="Segoe UI" panose="020B0502040204020203" pitchFamily="34" charset="0"/>
-                <a:cs typeface="Segoe UI" panose="020B0502040204020203" pitchFamily="34" charset="0"/>
+              <a:t>3b.</a:t>
+            </a:r>
+            <a:r>
+              <a:rPr lang="en-GB" sz="770" b="0" i="0" dirty="0">
+                <a:solidFill>
+                  <a:srgbClr val="F0F6FC"/>
+                </a:solidFill>
+                <a:effectLst/>
+                <a:latin typeface="-apple-system"/>
               </a:rPr>
-              <a:t>5. System prompts the user to select the destination for their journey.</a:t>
-            </a:r>
-          </a:p>
-          <a:p>
-            <a:r>
-              <a:rPr lang="en-GB" sz="800" i="1" dirty="0">
-                <a:solidFill>
-                  <a:schemeClr val="bg1"/>
-                </a:solidFill>
-                <a:latin typeface="Segoe UI" panose="020B0502040204020203" pitchFamily="34" charset="0"/>
-                <a:cs typeface="Segoe UI" panose="020B0502040204020203" pitchFamily="34" charset="0"/>
+              <a:t> The system acquires the current user location using GPS services and sets it as a starting point. (</a:t>
+            </a:r>
+            <a:r>
+              <a:rPr lang="en-GB" sz="770" b="0" i="1" dirty="0">
+                <a:solidFill>
+                  <a:srgbClr val="F0F6FC"/>
+                </a:solidFill>
+                <a:effectLst/>
+                <a:latin typeface="-apple-system"/>
               </a:rPr>
-              <a:t>6. The user enters the destination.</a:t>
-            </a:r>
-          </a:p>
-          <a:p>
-            <a:r>
-              <a:rPr lang="en-GB" sz="800" i="1" dirty="0">
-                <a:solidFill>
-                  <a:schemeClr val="bg1"/>
-                </a:solidFill>
-                <a:latin typeface="Segoe UI" panose="020B0502040204020203" pitchFamily="34" charset="0"/>
-                <a:cs typeface="Segoe UI" panose="020B0502040204020203" pitchFamily="34" charset="0"/>
+              <a:t>Skip to step 5</a:t>
+            </a:r>
+            <a:r>
+              <a:rPr lang="en-GB" sz="770" b="0" i="0" dirty="0">
+                <a:solidFill>
+                  <a:srgbClr val="F0F6FC"/>
+                </a:solidFill>
+                <a:effectLst/>
+                <a:latin typeface="-apple-system"/>
               </a:rPr>
-              <a:t>7. The system shows possible destination, based on the user input, on a map.</a:t>
-            </a:r>
-          </a:p>
-          <a:p>
-            <a:r>
-              <a:rPr lang="en-GB" sz="800" i="1" dirty="0">
-                <a:solidFill>
-                  <a:schemeClr val="bg1"/>
-                </a:solidFill>
-                <a:latin typeface="Segoe UI" panose="020B0502040204020203" pitchFamily="34" charset="0"/>
-                <a:cs typeface="Segoe UI" panose="020B0502040204020203" pitchFamily="34" charset="0"/>
+              <a:t>)</a:t>
+            </a:r>
+            <a:br>
+              <a:rPr lang="en-GB" sz="770" dirty="0"/>
+            </a:br>
+            <a:r>
+              <a:rPr lang="en-GB" sz="770" b="0" i="1" dirty="0">
+                <a:solidFill>
+                  <a:srgbClr val="F0F6FC"/>
+                </a:solidFill>
+                <a:effectLst/>
+                <a:latin typeface="-apple-system"/>
               </a:rPr>
-              <a:t>8. The user selects the desired destination option.</a:t>
-            </a:r>
-          </a:p>
-          <a:p>
-            <a:r>
-              <a:rPr lang="en-GB" sz="800" i="1" dirty="0">
-                <a:solidFill>
-                  <a:schemeClr val="bg1"/>
-                </a:solidFill>
-                <a:latin typeface="Segoe UI" panose="020B0502040204020203" pitchFamily="34" charset="0"/>
-                <a:cs typeface="Segoe UI" panose="020B0502040204020203" pitchFamily="34" charset="0"/>
+              <a:t>6b.</a:t>
+            </a:r>
+            <a:r>
+              <a:rPr lang="en-GB" sz="770" b="0" i="0" dirty="0">
+                <a:solidFill>
+                  <a:srgbClr val="F0F6FC"/>
+                </a:solidFill>
+                <a:effectLst/>
+                <a:latin typeface="-apple-system"/>
               </a:rPr>
-              <a:t>9. The system takes the user to the route options page.</a:t>
-            </a:r>
-          </a:p>
-          <a:p>
-            <a:r>
-              <a:rPr lang="en-GB" sz="800" i="1" dirty="0">
-                <a:solidFill>
-                  <a:schemeClr val="bg1"/>
-                </a:solidFill>
-                <a:latin typeface="Segoe UI" panose="020B0502040204020203" pitchFamily="34" charset="0"/>
-                <a:cs typeface="Segoe UI" panose="020B0502040204020203" pitchFamily="34" charset="0"/>
+              <a:t> The user selects the current location options.</a:t>
+            </a:r>
+            <a:br>
+              <a:rPr lang="en-GB" sz="770" dirty="0"/>
+            </a:br>
+            <a:r>
+              <a:rPr lang="en-GB" sz="770" b="0" i="1" dirty="0">
+                <a:solidFill>
+                  <a:srgbClr val="F0F6FC"/>
+                </a:solidFill>
+                <a:effectLst/>
+                <a:latin typeface="-apple-system"/>
               </a:rPr>
-              <a:t>10. The user clicks on preferences and clicks on travel options.</a:t>
-            </a:r>
-          </a:p>
-          <a:p>
-            <a:r>
-              <a:rPr lang="en-GB" sz="800" i="1" dirty="0">
-                <a:solidFill>
-                  <a:schemeClr val="bg1"/>
-                </a:solidFill>
-                <a:latin typeface="Segoe UI" panose="020B0502040204020203" pitchFamily="34" charset="0"/>
-                <a:cs typeface="Segoe UI" panose="020B0502040204020203" pitchFamily="34" charset="0"/>
+              <a:t>7b.</a:t>
+            </a:r>
+            <a:r>
+              <a:rPr lang="en-GB" sz="770" b="0" i="0" dirty="0">
+                <a:solidFill>
+                  <a:srgbClr val="F0F6FC"/>
+                </a:solidFill>
+                <a:effectLst/>
+                <a:latin typeface="-apple-system"/>
               </a:rPr>
-              <a:t>11. The system shows a small window with different transportation types and checkboxes next to them.</a:t>
-            </a:r>
-          </a:p>
-          <a:p>
-            <a:r>
-              <a:rPr lang="en-GB" sz="800" i="1" dirty="0">
-                <a:solidFill>
-                  <a:schemeClr val="bg1"/>
-                </a:solidFill>
-                <a:latin typeface="Segoe UI" panose="020B0502040204020203" pitchFamily="34" charset="0"/>
-                <a:cs typeface="Segoe UI" panose="020B0502040204020203" pitchFamily="34" charset="0"/>
+              <a:t> The system acquires the current user location using GPS services and sets it as a destination. (</a:t>
+            </a:r>
+            <a:r>
+              <a:rPr lang="en-GB" sz="770" b="0" i="1" dirty="0">
+                <a:solidFill>
+                  <a:srgbClr val="F0F6FC"/>
+                </a:solidFill>
+                <a:effectLst/>
+                <a:latin typeface="-apple-system"/>
               </a:rPr>
-              <a:t>12. The user selects which transportation types to include in the search.</a:t>
-            </a:r>
-          </a:p>
-          <a:p>
-            <a:r>
-              <a:rPr lang="en-GB" sz="800" i="1" dirty="0">
-                <a:solidFill>
-                  <a:schemeClr val="bg1"/>
-                </a:solidFill>
-                <a:latin typeface="Segoe UI" panose="020B0502040204020203" pitchFamily="34" charset="0"/>
-                <a:cs typeface="Segoe UI" panose="020B0502040204020203" pitchFamily="34" charset="0"/>
-              </a:rPr>
-              <a:t>13. The system saves the options for later searches.</a:t>
-            </a:r>
-          </a:p>
-          <a:p>
-            <a:r>
-              <a:rPr lang="en-GB" sz="800" i="1" dirty="0">
-                <a:solidFill>
-                  <a:schemeClr val="bg1"/>
-                </a:solidFill>
-                <a:latin typeface="Segoe UI" panose="020B0502040204020203" pitchFamily="34" charset="0"/>
-                <a:cs typeface="Segoe UI" panose="020B0502040204020203" pitchFamily="34" charset="0"/>
-              </a:rPr>
-              <a:t>14. The system provides the user with paths containing only selected transportation types.</a:t>
-            </a:r>
-          </a:p>
-          <a:p>
-            <a:endParaRPr lang="en-GB" sz="800" b="1" i="1" dirty="0">
+              <a:t>Skip to step 9</a:t>
+            </a:r>
+            <a:endParaRPr lang="en-GB" sz="770" dirty="0">
+              <a:solidFill>
+                <a:srgbClr val="F0F6FC"/>
+              </a:solidFill>
+              <a:latin typeface="-apple-system"/>
+            </a:endParaRPr>
+          </a:p>
+          <a:p>
+            <a:endParaRPr lang="en-GB" sz="770" i="1" dirty="0">
               <a:solidFill>
                 <a:schemeClr val="bg1"/>
               </a:solidFill>
@@ -10327,66 +10833,38 @@
           </a:p>
           <a:p>
             <a:r>
-              <a:rPr lang="en-GB" sz="800" b="1" i="1" dirty="0">
+              <a:rPr lang="en-GB" sz="770" b="1" i="1" dirty="0">
                 <a:solidFill>
                   <a:schemeClr val="bg1"/>
                 </a:solidFill>
                 <a:latin typeface="Segoe UI" panose="020B0502040204020203" pitchFamily="34" charset="0"/>
                 <a:cs typeface="Segoe UI" panose="020B0502040204020203" pitchFamily="34" charset="0"/>
               </a:rPr>
-              <a:t>Alternative flows:</a:t>
-            </a:r>
-          </a:p>
-          <a:p>
-            <a:r>
-              <a:rPr lang="en-GB" sz="800" i="1" dirty="0">
-                <a:solidFill>
-                  <a:schemeClr val="bg1"/>
-                </a:solidFill>
-                <a:latin typeface="Segoe UI" panose="020B0502040204020203" pitchFamily="34" charset="0"/>
-                <a:cs typeface="Segoe UI" panose="020B0502040204020203" pitchFamily="34" charset="0"/>
+              <a:t>Post-conditions:</a:t>
+            </a:r>
+          </a:p>
+          <a:p>
+            <a:r>
+              <a:rPr lang="en-GB" sz="770" b="0" i="1" dirty="0">
+                <a:solidFill>
+                  <a:srgbClr val="F0F6FC"/>
+                </a:solidFill>
+                <a:effectLst/>
+                <a:latin typeface="-apple-system"/>
               </a:rPr>
-              <a:t>2b. The user selects the current location options.</a:t>
-            </a:r>
-          </a:p>
-          <a:p>
-            <a:r>
-              <a:rPr lang="en-GB" sz="800" i="1" dirty="0">
-                <a:solidFill>
-                  <a:schemeClr val="bg1"/>
-                </a:solidFill>
-                <a:latin typeface="Segoe UI" panose="020B0502040204020203" pitchFamily="34" charset="0"/>
-                <a:cs typeface="Segoe UI" panose="020B0502040204020203" pitchFamily="34" charset="0"/>
+              <a:t>a.</a:t>
+            </a:r>
+            <a:r>
+              <a:rPr lang="en-GB" sz="770" b="0" i="0" dirty="0">
+                <a:solidFill>
+                  <a:srgbClr val="F0F6FC"/>
+                </a:solidFill>
+                <a:effectLst/>
+                <a:latin typeface="-apple-system"/>
               </a:rPr>
-              <a:t>3b. The system acquires the current user location using GPS services and sets it as a starting point. (Skip to step 5)</a:t>
-            </a:r>
-          </a:p>
-          <a:p>
-            <a:r>
-              <a:rPr lang="en-GB" sz="800" i="1" dirty="0">
-                <a:solidFill>
-                  <a:schemeClr val="bg1"/>
-                </a:solidFill>
-                <a:latin typeface="Segoe UI" panose="020B0502040204020203" pitchFamily="34" charset="0"/>
-                <a:cs typeface="Segoe UI" panose="020B0502040204020203" pitchFamily="34" charset="0"/>
-              </a:rPr>
-              <a:t>6b. The user selects the current location options.</a:t>
-            </a:r>
-          </a:p>
-          <a:p>
-            <a:r>
-              <a:rPr lang="en-GB" sz="800" i="1" dirty="0">
-                <a:solidFill>
-                  <a:schemeClr val="bg1"/>
-                </a:solidFill>
-                <a:latin typeface="Segoe UI" panose="020B0502040204020203" pitchFamily="34" charset="0"/>
-                <a:cs typeface="Segoe UI" panose="020B0502040204020203" pitchFamily="34" charset="0"/>
-              </a:rPr>
-              <a:t>7b. The system acquires the current user location using GPS services and sets it as a destination. (Skip to step 9)</a:t>
-            </a:r>
-          </a:p>
-          <a:p>
-            <a:endParaRPr lang="en-GB" sz="800" b="1" i="1" dirty="0">
+              <a:t> The user is on the Travel Overview page, where he sees all information about the route to his destination.</a:t>
+            </a:r>
+            <a:endParaRPr lang="en-GB" sz="770" i="1" dirty="0">
               <a:solidFill>
                 <a:schemeClr val="bg1"/>
               </a:solidFill>
@@ -10394,104 +10872,112 @@
               <a:cs typeface="Segoe UI" panose="020B0502040204020203" pitchFamily="34" charset="0"/>
             </a:endParaRPr>
           </a:p>
-          <a:p>
-            <a:r>
-              <a:rPr lang="en-GB" sz="800" b="1" i="1" dirty="0">
-                <a:solidFill>
-                  <a:schemeClr val="bg1"/>
-                </a:solidFill>
-                <a:latin typeface="Segoe UI" panose="020B0502040204020203" pitchFamily="34" charset="0"/>
-                <a:cs typeface="Segoe UI" panose="020B0502040204020203" pitchFamily="34" charset="0"/>
-              </a:rPr>
-              <a:t>Post-conditions:</a:t>
-            </a:r>
-          </a:p>
-          <a:p>
-            <a:r>
-              <a:rPr lang="en-GB" sz="800" i="1" dirty="0">
-                <a:solidFill>
-                  <a:schemeClr val="bg1"/>
-                </a:solidFill>
-                <a:latin typeface="Segoe UI" panose="020B0502040204020203" pitchFamily="34" charset="0"/>
-                <a:cs typeface="Segoe UI" panose="020B0502040204020203" pitchFamily="34" charset="0"/>
-              </a:rPr>
-              <a:t>a. The user is on the connection's page previewing path with only the desired transportation services.</a:t>
-            </a:r>
-          </a:p>
-        </p:txBody>
-      </p:sp>
-      <p:pic>
-        <p:nvPicPr>
-          <p:cNvPr id="3" name="Graphic 2" descr="Marker with solid fill">
+        </p:txBody>
+      </p:sp>
+      <p:sp>
+        <p:nvSpPr>
+          <p:cNvPr id="22" name="Oval 21">
             <a:extLst>
               <a:ext uri="{FF2B5EF4-FFF2-40B4-BE49-F238E27FC236}">
-                <a16:creationId xmlns:a16="http://schemas.microsoft.com/office/drawing/2014/main" id="{CF1532F0-7544-9B05-190E-5EC3103F2AE3}"/>
+                <a16:creationId xmlns:a16="http://schemas.microsoft.com/office/drawing/2014/main" id="{D53F9AE9-74D6-5027-8AE8-0873B758AD95}"/>
               </a:ext>
             </a:extLst>
           </p:cNvPr>
-          <p:cNvPicPr>
-            <a:picLocks noChangeAspect="1"/>
-          </p:cNvPicPr>
+          <p:cNvSpPr/>
           <p:nvPr/>
-        </p:nvPicPr>
-        <p:blipFill>
-          <a:blip r:embed="rId3">
-            <a:extLst>
-              <a:ext uri="{96DAC541-7B7A-43D3-8B79-37D633B846F1}">
-                <asvg:svgBlip xmlns:asvg="http://schemas.microsoft.com/office/drawing/2016/SVG/main" r:embed="rId4"/>
-              </a:ext>
-            </a:extLst>
-          </a:blip>
-          <a:stretch>
-            <a:fillRect/>
-          </a:stretch>
-        </p:blipFill>
+        </p:nvSpPr>
         <p:spPr>
           <a:xfrm>
-            <a:off x="10359158" y="105033"/>
-            <a:ext cx="2085124" cy="2085124"/>
-          </a:xfrm>
-          <a:prstGeom prst="rect">
+            <a:off x="1938116" y="1613091"/>
+            <a:ext cx="252000" cy="252000"/>
+          </a:xfrm>
+          <a:prstGeom prst="ellipse">
             <a:avLst/>
           </a:prstGeom>
+          <a:noFill/>
+          <a:ln w="28575">
+            <a:solidFill>
+              <a:srgbClr val="00B0F0"/>
+            </a:solidFill>
+          </a:ln>
         </p:spPr>
-      </p:pic>
-      <p:pic>
-        <p:nvPicPr>
-          <p:cNvPr id="4" name="Graphic 3" descr="Marker outline">
+        <p:style>
+          <a:lnRef idx="2">
+            <a:schemeClr val="accent1">
+              <a:shade val="15000"/>
+            </a:schemeClr>
+          </a:lnRef>
+          <a:fillRef idx="1">
+            <a:schemeClr val="accent1"/>
+          </a:fillRef>
+          <a:effectRef idx="0">
+            <a:schemeClr val="accent1"/>
+          </a:effectRef>
+          <a:fontRef idx="minor">
+            <a:schemeClr val="lt1"/>
+          </a:fontRef>
+        </p:style>
+        <p:txBody>
+          <a:bodyPr rtlCol="0" anchor="ctr"/>
+          <a:lstStyle/>
+          <a:p>
+            <a:pPr algn="ctr"/>
+            <a:endParaRPr lang="en-GB"/>
+          </a:p>
+        </p:txBody>
+      </p:sp>
+      <p:sp>
+        <p:nvSpPr>
+          <p:cNvPr id="23" name="Oval 22">
             <a:extLst>
               <a:ext uri="{FF2B5EF4-FFF2-40B4-BE49-F238E27FC236}">
-                <a16:creationId xmlns:a16="http://schemas.microsoft.com/office/drawing/2014/main" id="{DE6392E7-8E32-A632-0AFE-56D2687B3139}"/>
+                <a16:creationId xmlns:a16="http://schemas.microsoft.com/office/drawing/2014/main" id="{C158C1EE-239A-78C4-5F46-8EB467073C8A}"/>
               </a:ext>
             </a:extLst>
           </p:cNvPr>
-          <p:cNvPicPr>
-            <a:picLocks noChangeAspect="1"/>
-          </p:cNvPicPr>
+          <p:cNvSpPr/>
           <p:nvPr/>
-        </p:nvPicPr>
-        <p:blipFill>
-          <a:blip r:embed="rId5">
-            <a:extLst>
-              <a:ext uri="{96DAC541-7B7A-43D3-8B79-37D633B846F1}">
-                <asvg:svgBlip xmlns:asvg="http://schemas.microsoft.com/office/drawing/2016/SVG/main" r:embed="rId6"/>
-              </a:ext>
-            </a:extLst>
-          </a:blip>
-          <a:stretch>
-            <a:fillRect/>
-          </a:stretch>
-        </p:blipFill>
+        </p:nvSpPr>
         <p:spPr>
           <a:xfrm>
-            <a:off x="10327896" y="77493"/>
-            <a:ext cx="2142810" cy="2142810"/>
-          </a:xfrm>
-          <a:prstGeom prst="rect">
+            <a:off x="2028116" y="1698501"/>
+            <a:ext cx="72000" cy="72000"/>
+          </a:xfrm>
+          <a:prstGeom prst="ellipse">
             <a:avLst/>
           </a:prstGeom>
+          <a:solidFill>
+            <a:srgbClr val="00B0F0"/>
+          </a:solidFill>
+          <a:ln w="60325">
+            <a:noFill/>
+          </a:ln>
         </p:spPr>
-      </p:pic>
+        <p:style>
+          <a:lnRef idx="2">
+            <a:schemeClr val="accent1">
+              <a:shade val="15000"/>
+            </a:schemeClr>
+          </a:lnRef>
+          <a:fillRef idx="1">
+            <a:schemeClr val="accent1"/>
+          </a:fillRef>
+          <a:effectRef idx="0">
+            <a:schemeClr val="accent1"/>
+          </a:effectRef>
+          <a:fontRef idx="minor">
+            <a:schemeClr val="lt1"/>
+          </a:fontRef>
+        </p:style>
+        <p:txBody>
+          <a:bodyPr rtlCol="0" anchor="ctr"/>
+          <a:lstStyle/>
+          <a:p>
+            <a:pPr algn="ctr"/>
+            <a:endParaRPr lang="en-GB"/>
+          </a:p>
+        </p:txBody>
+      </p:sp>
     </p:spTree>
     <p:extLst>
       <p:ext uri="{BB962C8B-B14F-4D97-AF65-F5344CB8AC3E}">
@@ -10502,13 +10988,13 @@
   <p:clrMapOvr>
     <a:masterClrMapping/>
   </p:clrMapOvr>
-  <mc:AlternateContent xmlns:mc="http://schemas.openxmlformats.org/markup-compatibility/2006">
-    <mc:Choice xmlns:p14="http://schemas.microsoft.com/office/powerpoint/2010/main" Requires="p14">
+  <mc:AlternateContent xmlns:mc="http://schemas.openxmlformats.org/markup-compatibility/2006" xmlns:p14="http://schemas.microsoft.com/office/powerpoint/2010/main">
+    <mc:Choice Requires="p14">
       <p:transition spd="med" p14:dur="700">
         <p:fade/>
       </p:transition>
     </mc:Choice>
-    <mc:Fallback>
+    <mc:Fallback xmlns="">
       <p:transition spd="med">
         <p:fade/>
       </p:transition>
@@ -11777,13 +12263,13 @@
   <p:clrMapOvr>
     <a:masterClrMapping/>
   </p:clrMapOvr>
-  <mc:AlternateContent xmlns:mc="http://schemas.openxmlformats.org/markup-compatibility/2006">
-    <mc:Choice xmlns:p14="http://schemas.microsoft.com/office/powerpoint/2010/main" Requires="p14">
+  <mc:AlternateContent xmlns:mc="http://schemas.openxmlformats.org/markup-compatibility/2006" xmlns:p14="http://schemas.microsoft.com/office/powerpoint/2010/main">
+    <mc:Choice Requires="p14">
       <p:transition spd="med" p14:dur="700">
         <p:fade/>
       </p:transition>
     </mc:Choice>
-    <mc:Fallback>
+    <mc:Fallback xmlns="">
       <p:transition spd="med">
         <p:fade/>
       </p:transition>
@@ -11865,8 +12351,8 @@
         </p:nvSpPr>
         <p:spPr>
           <a:xfrm>
-            <a:off x="1800502" y="1566864"/>
-            <a:ext cx="6371304" cy="825909"/>
+            <a:off x="1568390" y="1782764"/>
+            <a:ext cx="7126593" cy="589901"/>
           </a:xfrm>
           <a:prstGeom prst="rect">
             <a:avLst/>
@@ -11912,110 +12398,6 @@
       </p:sp>
       <p:sp>
         <p:nvSpPr>
-          <p:cNvPr id="8" name="Oval 7">
-            <a:extLst>
-              <a:ext uri="{FF2B5EF4-FFF2-40B4-BE49-F238E27FC236}">
-                <a16:creationId xmlns:a16="http://schemas.microsoft.com/office/drawing/2014/main" id="{5D07656F-4110-D788-5FF6-4F9943D093C2}"/>
-              </a:ext>
-            </a:extLst>
-          </p:cNvPr>
-          <p:cNvSpPr/>
-          <p:nvPr/>
-        </p:nvSpPr>
-        <p:spPr>
-          <a:xfrm>
-            <a:off x="2124299" y="1853819"/>
-            <a:ext cx="252000" cy="252000"/>
-          </a:xfrm>
-          <a:prstGeom prst="ellipse">
-            <a:avLst/>
-          </a:prstGeom>
-          <a:noFill/>
-          <a:ln w="28575">
-            <a:solidFill>
-              <a:srgbClr val="00B0F0"/>
-            </a:solidFill>
-          </a:ln>
-        </p:spPr>
-        <p:style>
-          <a:lnRef idx="2">
-            <a:schemeClr val="accent1">
-              <a:shade val="15000"/>
-            </a:schemeClr>
-          </a:lnRef>
-          <a:fillRef idx="1">
-            <a:schemeClr val="accent1"/>
-          </a:fillRef>
-          <a:effectRef idx="0">
-            <a:schemeClr val="accent1"/>
-          </a:effectRef>
-          <a:fontRef idx="minor">
-            <a:schemeClr val="lt1"/>
-          </a:fontRef>
-        </p:style>
-        <p:txBody>
-          <a:bodyPr rtlCol="0" anchor="ctr"/>
-          <a:lstStyle/>
-          <a:p>
-            <a:pPr algn="ctr"/>
-            <a:endParaRPr lang="en-GB"/>
-          </a:p>
-        </p:txBody>
-      </p:sp>
-      <p:sp>
-        <p:nvSpPr>
-          <p:cNvPr id="9" name="Oval 8">
-            <a:extLst>
-              <a:ext uri="{FF2B5EF4-FFF2-40B4-BE49-F238E27FC236}">
-                <a16:creationId xmlns:a16="http://schemas.microsoft.com/office/drawing/2014/main" id="{FB73DF0E-0AEB-9818-6A5E-F8704F174E32}"/>
-              </a:ext>
-            </a:extLst>
-          </p:cNvPr>
-          <p:cNvSpPr/>
-          <p:nvPr/>
-        </p:nvSpPr>
-        <p:spPr>
-          <a:xfrm>
-            <a:off x="2214299" y="1939229"/>
-            <a:ext cx="72000" cy="72000"/>
-          </a:xfrm>
-          <a:prstGeom prst="ellipse">
-            <a:avLst/>
-          </a:prstGeom>
-          <a:solidFill>
-            <a:srgbClr val="00B0F0"/>
-          </a:solidFill>
-          <a:ln w="60325">
-            <a:noFill/>
-          </a:ln>
-        </p:spPr>
-        <p:style>
-          <a:lnRef idx="2">
-            <a:schemeClr val="accent1">
-              <a:shade val="15000"/>
-            </a:schemeClr>
-          </a:lnRef>
-          <a:fillRef idx="1">
-            <a:schemeClr val="accent1"/>
-          </a:fillRef>
-          <a:effectRef idx="0">
-            <a:schemeClr val="accent1"/>
-          </a:effectRef>
-          <a:fontRef idx="minor">
-            <a:schemeClr val="lt1"/>
-          </a:fontRef>
-        </p:style>
-        <p:txBody>
-          <a:bodyPr rtlCol="0" anchor="ctr"/>
-          <a:lstStyle/>
-          <a:p>
-            <a:pPr algn="ctr"/>
-            <a:endParaRPr lang="en-GB"/>
-          </a:p>
-        </p:txBody>
-      </p:sp>
-      <p:sp>
-        <p:nvSpPr>
           <p:cNvPr id="10" name="TextBox 9">
             <a:extLst>
               <a:ext uri="{FF2B5EF4-FFF2-40B4-BE49-F238E27FC236}">
@@ -12028,8 +12410,8 @@
         </p:nvSpPr>
         <p:spPr>
           <a:xfrm>
-            <a:off x="2416091" y="1779764"/>
-            <a:ext cx="3675888" cy="400110"/>
+            <a:off x="2256399" y="1863956"/>
+            <a:ext cx="4111648" cy="285776"/>
           </a:xfrm>
           <a:prstGeom prst="rect">
             <a:avLst/>
@@ -12069,8 +12451,8 @@
         </p:nvSpPr>
         <p:spPr>
           <a:xfrm>
-            <a:off x="5433515" y="1879612"/>
-            <a:ext cx="866392" cy="209295"/>
+            <a:off x="5632080" y="2006142"/>
+            <a:ext cx="969099" cy="149488"/>
           </a:xfrm>
           <a:prstGeom prst="roundRect">
             <a:avLst>
@@ -12134,8 +12516,8 @@
         </p:nvSpPr>
         <p:spPr>
           <a:xfrm>
-            <a:off x="1800502" y="2390053"/>
-            <a:ext cx="6371304" cy="825909"/>
+            <a:off x="1568390" y="2370722"/>
+            <a:ext cx="7126593" cy="589901"/>
           </a:xfrm>
           <a:prstGeom prst="rect">
             <a:avLst/>
@@ -12181,110 +12563,6 @@
       </p:sp>
       <p:sp>
         <p:nvSpPr>
-          <p:cNvPr id="13" name="Oval 12">
-            <a:extLst>
-              <a:ext uri="{FF2B5EF4-FFF2-40B4-BE49-F238E27FC236}">
-                <a16:creationId xmlns:a16="http://schemas.microsoft.com/office/drawing/2014/main" id="{7EC541A2-2469-C68D-92A1-B32A419A767B}"/>
-              </a:ext>
-            </a:extLst>
-          </p:cNvPr>
-          <p:cNvSpPr/>
-          <p:nvPr/>
-        </p:nvSpPr>
-        <p:spPr>
-          <a:xfrm>
-            <a:off x="2124299" y="2677008"/>
-            <a:ext cx="252000" cy="252000"/>
-          </a:xfrm>
-          <a:prstGeom prst="ellipse">
-            <a:avLst/>
-          </a:prstGeom>
-          <a:noFill/>
-          <a:ln w="28575">
-            <a:solidFill>
-              <a:srgbClr val="00B0F0"/>
-            </a:solidFill>
-          </a:ln>
-        </p:spPr>
-        <p:style>
-          <a:lnRef idx="2">
-            <a:schemeClr val="accent1">
-              <a:shade val="15000"/>
-            </a:schemeClr>
-          </a:lnRef>
-          <a:fillRef idx="1">
-            <a:schemeClr val="accent1"/>
-          </a:fillRef>
-          <a:effectRef idx="0">
-            <a:schemeClr val="accent1"/>
-          </a:effectRef>
-          <a:fontRef idx="minor">
-            <a:schemeClr val="lt1"/>
-          </a:fontRef>
-        </p:style>
-        <p:txBody>
-          <a:bodyPr rtlCol="0" anchor="ctr"/>
-          <a:lstStyle/>
-          <a:p>
-            <a:pPr algn="ctr"/>
-            <a:endParaRPr lang="en-GB"/>
-          </a:p>
-        </p:txBody>
-      </p:sp>
-      <p:sp>
-        <p:nvSpPr>
-          <p:cNvPr id="14" name="Oval 13">
-            <a:extLst>
-              <a:ext uri="{FF2B5EF4-FFF2-40B4-BE49-F238E27FC236}">
-                <a16:creationId xmlns:a16="http://schemas.microsoft.com/office/drawing/2014/main" id="{9D964E18-C05B-E672-1367-EDB25DADE538}"/>
-              </a:ext>
-            </a:extLst>
-          </p:cNvPr>
-          <p:cNvSpPr/>
-          <p:nvPr/>
-        </p:nvSpPr>
-        <p:spPr>
-          <a:xfrm>
-            <a:off x="2214299" y="2762418"/>
-            <a:ext cx="72000" cy="72000"/>
-          </a:xfrm>
-          <a:prstGeom prst="ellipse">
-            <a:avLst/>
-          </a:prstGeom>
-          <a:solidFill>
-            <a:srgbClr val="00B0F0"/>
-          </a:solidFill>
-          <a:ln w="60325">
-            <a:noFill/>
-          </a:ln>
-        </p:spPr>
-        <p:style>
-          <a:lnRef idx="2">
-            <a:schemeClr val="accent1">
-              <a:shade val="15000"/>
-            </a:schemeClr>
-          </a:lnRef>
-          <a:fillRef idx="1">
-            <a:schemeClr val="accent1"/>
-          </a:fillRef>
-          <a:effectRef idx="0">
-            <a:schemeClr val="accent1"/>
-          </a:effectRef>
-          <a:fontRef idx="minor">
-            <a:schemeClr val="lt1"/>
-          </a:fontRef>
-        </p:style>
-        <p:txBody>
-          <a:bodyPr rtlCol="0" anchor="ctr"/>
-          <a:lstStyle/>
-          <a:p>
-            <a:pPr algn="ctr"/>
-            <a:endParaRPr lang="en-GB"/>
-          </a:p>
-        </p:txBody>
-      </p:sp>
-      <p:sp>
-        <p:nvSpPr>
           <p:cNvPr id="15" name="TextBox 14">
             <a:extLst>
               <a:ext uri="{FF2B5EF4-FFF2-40B4-BE49-F238E27FC236}">
@@ -12297,8 +12575,8 @@
         </p:nvSpPr>
         <p:spPr>
           <a:xfrm>
-            <a:off x="2416091" y="2602953"/>
-            <a:ext cx="3675888" cy="400110"/>
+            <a:off x="2256399" y="2451913"/>
+            <a:ext cx="4111648" cy="285776"/>
           </a:xfrm>
           <a:prstGeom prst="rect">
             <a:avLst/>
@@ -12338,8 +12616,8 @@
         </p:nvSpPr>
         <p:spPr>
           <a:xfrm>
-            <a:off x="4324043" y="2702096"/>
-            <a:ext cx="866392" cy="209295"/>
+            <a:off x="4391085" y="2593597"/>
+            <a:ext cx="969099" cy="149488"/>
           </a:xfrm>
           <a:prstGeom prst="roundRect">
             <a:avLst>
@@ -12403,8 +12681,8 @@
         </p:nvSpPr>
         <p:spPr>
           <a:xfrm>
-            <a:off x="1800502" y="3213243"/>
-            <a:ext cx="6371304" cy="825909"/>
+            <a:off x="1568390" y="2958680"/>
+            <a:ext cx="7126593" cy="589901"/>
           </a:xfrm>
           <a:prstGeom prst="rect">
             <a:avLst/>
@@ -12450,110 +12728,6 @@
       </p:sp>
       <p:sp>
         <p:nvSpPr>
-          <p:cNvPr id="18" name="Oval 17">
-            <a:extLst>
-              <a:ext uri="{FF2B5EF4-FFF2-40B4-BE49-F238E27FC236}">
-                <a16:creationId xmlns:a16="http://schemas.microsoft.com/office/drawing/2014/main" id="{C30CC822-F3B6-BD23-8113-7DE2438EC990}"/>
-              </a:ext>
-            </a:extLst>
-          </p:cNvPr>
-          <p:cNvSpPr/>
-          <p:nvPr/>
-        </p:nvSpPr>
-        <p:spPr>
-          <a:xfrm>
-            <a:off x="2124299" y="3500198"/>
-            <a:ext cx="252000" cy="252000"/>
-          </a:xfrm>
-          <a:prstGeom prst="ellipse">
-            <a:avLst/>
-          </a:prstGeom>
-          <a:noFill/>
-          <a:ln w="28575">
-            <a:solidFill>
-              <a:srgbClr val="00B0F0"/>
-            </a:solidFill>
-          </a:ln>
-        </p:spPr>
-        <p:style>
-          <a:lnRef idx="2">
-            <a:schemeClr val="accent1">
-              <a:shade val="15000"/>
-            </a:schemeClr>
-          </a:lnRef>
-          <a:fillRef idx="1">
-            <a:schemeClr val="accent1"/>
-          </a:fillRef>
-          <a:effectRef idx="0">
-            <a:schemeClr val="accent1"/>
-          </a:effectRef>
-          <a:fontRef idx="minor">
-            <a:schemeClr val="lt1"/>
-          </a:fontRef>
-        </p:style>
-        <p:txBody>
-          <a:bodyPr rtlCol="0" anchor="ctr"/>
-          <a:lstStyle/>
-          <a:p>
-            <a:pPr algn="ctr"/>
-            <a:endParaRPr lang="en-GB"/>
-          </a:p>
-        </p:txBody>
-      </p:sp>
-      <p:sp>
-        <p:nvSpPr>
-          <p:cNvPr id="19" name="Oval 18">
-            <a:extLst>
-              <a:ext uri="{FF2B5EF4-FFF2-40B4-BE49-F238E27FC236}">
-                <a16:creationId xmlns:a16="http://schemas.microsoft.com/office/drawing/2014/main" id="{23D81606-A3F6-E0A7-DFBE-7D48A25258C9}"/>
-              </a:ext>
-            </a:extLst>
-          </p:cNvPr>
-          <p:cNvSpPr/>
-          <p:nvPr/>
-        </p:nvSpPr>
-        <p:spPr>
-          <a:xfrm>
-            <a:off x="2214299" y="3585608"/>
-            <a:ext cx="72000" cy="72000"/>
-          </a:xfrm>
-          <a:prstGeom prst="ellipse">
-            <a:avLst/>
-          </a:prstGeom>
-          <a:solidFill>
-            <a:srgbClr val="00B0F0"/>
-          </a:solidFill>
-          <a:ln w="60325">
-            <a:noFill/>
-          </a:ln>
-        </p:spPr>
-        <p:style>
-          <a:lnRef idx="2">
-            <a:schemeClr val="accent1">
-              <a:shade val="15000"/>
-            </a:schemeClr>
-          </a:lnRef>
-          <a:fillRef idx="1">
-            <a:schemeClr val="accent1"/>
-          </a:fillRef>
-          <a:effectRef idx="0">
-            <a:schemeClr val="accent1"/>
-          </a:effectRef>
-          <a:fontRef idx="minor">
-            <a:schemeClr val="lt1"/>
-          </a:fontRef>
-        </p:style>
-        <p:txBody>
-          <a:bodyPr rtlCol="0" anchor="ctr"/>
-          <a:lstStyle/>
-          <a:p>
-            <a:pPr algn="ctr"/>
-            <a:endParaRPr lang="en-GB"/>
-          </a:p>
-        </p:txBody>
-      </p:sp>
-      <p:sp>
-        <p:nvSpPr>
           <p:cNvPr id="20" name="TextBox 19">
             <a:extLst>
               <a:ext uri="{FF2B5EF4-FFF2-40B4-BE49-F238E27FC236}">
@@ -12566,8 +12740,8 @@
         </p:nvSpPr>
         <p:spPr>
           <a:xfrm>
-            <a:off x="2416091" y="3426143"/>
-            <a:ext cx="3675888" cy="400110"/>
+            <a:off x="2256399" y="3039872"/>
+            <a:ext cx="4111648" cy="285776"/>
           </a:xfrm>
           <a:prstGeom prst="rect">
             <a:avLst/>
@@ -12607,8 +12781,8 @@
         </p:nvSpPr>
         <p:spPr>
           <a:xfrm>
-            <a:off x="4552958" y="3524056"/>
-            <a:ext cx="866392" cy="209295"/>
+            <a:off x="4647137" y="3180677"/>
+            <a:ext cx="969099" cy="149488"/>
           </a:xfrm>
           <a:prstGeom prst="roundRect">
             <a:avLst>
@@ -12672,8 +12846,8 @@
         </p:nvSpPr>
         <p:spPr>
           <a:xfrm>
-            <a:off x="1800502" y="4043803"/>
-            <a:ext cx="6371304" cy="825909"/>
+            <a:off x="1568390" y="3551903"/>
+            <a:ext cx="7126593" cy="589901"/>
           </a:xfrm>
           <a:prstGeom prst="rect">
             <a:avLst/>
@@ -12719,110 +12893,6 @@
       </p:sp>
       <p:sp>
         <p:nvSpPr>
-          <p:cNvPr id="23" name="Oval 22">
-            <a:extLst>
-              <a:ext uri="{FF2B5EF4-FFF2-40B4-BE49-F238E27FC236}">
-                <a16:creationId xmlns:a16="http://schemas.microsoft.com/office/drawing/2014/main" id="{494B7694-45EA-E39A-4E2F-8C9779A1A66D}"/>
-              </a:ext>
-            </a:extLst>
-          </p:cNvPr>
-          <p:cNvSpPr/>
-          <p:nvPr/>
-        </p:nvSpPr>
-        <p:spPr>
-          <a:xfrm>
-            <a:off x="2124299" y="4330758"/>
-            <a:ext cx="252000" cy="252000"/>
-          </a:xfrm>
-          <a:prstGeom prst="ellipse">
-            <a:avLst/>
-          </a:prstGeom>
-          <a:noFill/>
-          <a:ln w="28575">
-            <a:solidFill>
-              <a:srgbClr val="00B0F0"/>
-            </a:solidFill>
-          </a:ln>
-        </p:spPr>
-        <p:style>
-          <a:lnRef idx="2">
-            <a:schemeClr val="accent1">
-              <a:shade val="15000"/>
-            </a:schemeClr>
-          </a:lnRef>
-          <a:fillRef idx="1">
-            <a:schemeClr val="accent1"/>
-          </a:fillRef>
-          <a:effectRef idx="0">
-            <a:schemeClr val="accent1"/>
-          </a:effectRef>
-          <a:fontRef idx="minor">
-            <a:schemeClr val="lt1"/>
-          </a:fontRef>
-        </p:style>
-        <p:txBody>
-          <a:bodyPr rtlCol="0" anchor="ctr"/>
-          <a:lstStyle/>
-          <a:p>
-            <a:pPr algn="ctr"/>
-            <a:endParaRPr lang="en-GB"/>
-          </a:p>
-        </p:txBody>
-      </p:sp>
-      <p:sp>
-        <p:nvSpPr>
-          <p:cNvPr id="24" name="Oval 23">
-            <a:extLst>
-              <a:ext uri="{FF2B5EF4-FFF2-40B4-BE49-F238E27FC236}">
-                <a16:creationId xmlns:a16="http://schemas.microsoft.com/office/drawing/2014/main" id="{9C7657AB-7335-379B-EDD2-E234D6D1D939}"/>
-              </a:ext>
-            </a:extLst>
-          </p:cNvPr>
-          <p:cNvSpPr/>
-          <p:nvPr/>
-        </p:nvSpPr>
-        <p:spPr>
-          <a:xfrm>
-            <a:off x="2214299" y="4416168"/>
-            <a:ext cx="72000" cy="72000"/>
-          </a:xfrm>
-          <a:prstGeom prst="ellipse">
-            <a:avLst/>
-          </a:prstGeom>
-          <a:solidFill>
-            <a:srgbClr val="00B0F0"/>
-          </a:solidFill>
-          <a:ln w="60325">
-            <a:noFill/>
-          </a:ln>
-        </p:spPr>
-        <p:style>
-          <a:lnRef idx="2">
-            <a:schemeClr val="accent1">
-              <a:shade val="15000"/>
-            </a:schemeClr>
-          </a:lnRef>
-          <a:fillRef idx="1">
-            <a:schemeClr val="accent1"/>
-          </a:fillRef>
-          <a:effectRef idx="0">
-            <a:schemeClr val="accent1"/>
-          </a:effectRef>
-          <a:fontRef idx="minor">
-            <a:schemeClr val="lt1"/>
-          </a:fontRef>
-        </p:style>
-        <p:txBody>
-          <a:bodyPr rtlCol="0" anchor="ctr"/>
-          <a:lstStyle/>
-          <a:p>
-            <a:pPr algn="ctr"/>
-            <a:endParaRPr lang="en-GB"/>
-          </a:p>
-        </p:txBody>
-      </p:sp>
-      <p:sp>
-        <p:nvSpPr>
           <p:cNvPr id="25" name="TextBox 24">
             <a:extLst>
               <a:ext uri="{FF2B5EF4-FFF2-40B4-BE49-F238E27FC236}">
@@ -12835,8 +12905,8 @@
         </p:nvSpPr>
         <p:spPr>
           <a:xfrm>
-            <a:off x="2416091" y="4256703"/>
-            <a:ext cx="3675888" cy="400110"/>
+            <a:off x="2256399" y="3633094"/>
+            <a:ext cx="4111648" cy="285776"/>
           </a:xfrm>
           <a:prstGeom prst="rect">
             <a:avLst/>
@@ -12876,8 +12946,8 @@
         </p:nvSpPr>
         <p:spPr>
           <a:xfrm>
-            <a:off x="5856416" y="4355715"/>
-            <a:ext cx="866392" cy="209295"/>
+            <a:off x="6105114" y="3774684"/>
+            <a:ext cx="969099" cy="149488"/>
           </a:xfrm>
           <a:prstGeom prst="roundRect">
             <a:avLst>
@@ -12941,8 +13011,8 @@
         </p:nvSpPr>
         <p:spPr>
           <a:xfrm>
-            <a:off x="1800502" y="4869499"/>
-            <a:ext cx="6371304" cy="825909"/>
+            <a:off x="1568390" y="4141651"/>
+            <a:ext cx="7126593" cy="589901"/>
           </a:xfrm>
           <a:prstGeom prst="rect">
             <a:avLst/>
@@ -12988,110 +13058,6 @@
       </p:sp>
       <p:sp>
         <p:nvSpPr>
-          <p:cNvPr id="28" name="Oval 27">
-            <a:extLst>
-              <a:ext uri="{FF2B5EF4-FFF2-40B4-BE49-F238E27FC236}">
-                <a16:creationId xmlns:a16="http://schemas.microsoft.com/office/drawing/2014/main" id="{801F6B63-C337-A54A-3ECE-41BED25B7997}"/>
-              </a:ext>
-            </a:extLst>
-          </p:cNvPr>
-          <p:cNvSpPr/>
-          <p:nvPr/>
-        </p:nvSpPr>
-        <p:spPr>
-          <a:xfrm>
-            <a:off x="2124299" y="5156454"/>
-            <a:ext cx="252000" cy="252000"/>
-          </a:xfrm>
-          <a:prstGeom prst="ellipse">
-            <a:avLst/>
-          </a:prstGeom>
-          <a:noFill/>
-          <a:ln w="28575">
-            <a:solidFill>
-              <a:srgbClr val="00B0F0"/>
-            </a:solidFill>
-          </a:ln>
-        </p:spPr>
-        <p:style>
-          <a:lnRef idx="2">
-            <a:schemeClr val="accent1">
-              <a:shade val="15000"/>
-            </a:schemeClr>
-          </a:lnRef>
-          <a:fillRef idx="1">
-            <a:schemeClr val="accent1"/>
-          </a:fillRef>
-          <a:effectRef idx="0">
-            <a:schemeClr val="accent1"/>
-          </a:effectRef>
-          <a:fontRef idx="minor">
-            <a:schemeClr val="lt1"/>
-          </a:fontRef>
-        </p:style>
-        <p:txBody>
-          <a:bodyPr rtlCol="0" anchor="ctr"/>
-          <a:lstStyle/>
-          <a:p>
-            <a:pPr algn="ctr"/>
-            <a:endParaRPr lang="en-GB"/>
-          </a:p>
-        </p:txBody>
-      </p:sp>
-      <p:sp>
-        <p:nvSpPr>
-          <p:cNvPr id="29" name="Oval 28">
-            <a:extLst>
-              <a:ext uri="{FF2B5EF4-FFF2-40B4-BE49-F238E27FC236}">
-                <a16:creationId xmlns:a16="http://schemas.microsoft.com/office/drawing/2014/main" id="{78192961-E60C-70DD-D7EA-0ACE1B360213}"/>
-              </a:ext>
-            </a:extLst>
-          </p:cNvPr>
-          <p:cNvSpPr/>
-          <p:nvPr/>
-        </p:nvSpPr>
-        <p:spPr>
-          <a:xfrm>
-            <a:off x="2214299" y="5241864"/>
-            <a:ext cx="72000" cy="72000"/>
-          </a:xfrm>
-          <a:prstGeom prst="ellipse">
-            <a:avLst/>
-          </a:prstGeom>
-          <a:solidFill>
-            <a:srgbClr val="00B0F0"/>
-          </a:solidFill>
-          <a:ln w="60325">
-            <a:noFill/>
-          </a:ln>
-        </p:spPr>
-        <p:style>
-          <a:lnRef idx="2">
-            <a:schemeClr val="accent1">
-              <a:shade val="15000"/>
-            </a:schemeClr>
-          </a:lnRef>
-          <a:fillRef idx="1">
-            <a:schemeClr val="accent1"/>
-          </a:fillRef>
-          <a:effectRef idx="0">
-            <a:schemeClr val="accent1"/>
-          </a:effectRef>
-          <a:fontRef idx="minor">
-            <a:schemeClr val="lt1"/>
-          </a:fontRef>
-        </p:style>
-        <p:txBody>
-          <a:bodyPr rtlCol="0" anchor="ctr"/>
-          <a:lstStyle/>
-          <a:p>
-            <a:pPr algn="ctr"/>
-            <a:endParaRPr lang="en-GB"/>
-          </a:p>
-        </p:txBody>
-      </p:sp>
-      <p:sp>
-        <p:nvSpPr>
           <p:cNvPr id="30" name="TextBox 29">
             <a:extLst>
               <a:ext uri="{FF2B5EF4-FFF2-40B4-BE49-F238E27FC236}">
@@ -13104,8 +13070,8 @@
         </p:nvSpPr>
         <p:spPr>
           <a:xfrm>
-            <a:off x="2416091" y="5082399"/>
-            <a:ext cx="3675888" cy="400110"/>
+            <a:off x="2256399" y="4222843"/>
+            <a:ext cx="4111648" cy="285776"/>
           </a:xfrm>
           <a:prstGeom prst="rect">
             <a:avLst/>
@@ -13145,8 +13111,8 @@
         </p:nvSpPr>
         <p:spPr>
           <a:xfrm>
-            <a:off x="6091483" y="5181624"/>
-            <a:ext cx="866392" cy="209295"/>
+            <a:off x="6368047" y="4364584"/>
+            <a:ext cx="969099" cy="149488"/>
           </a:xfrm>
           <a:prstGeom prst="roundRect">
             <a:avLst>
@@ -13210,8 +13176,8 @@
         </p:nvSpPr>
         <p:spPr>
           <a:xfrm>
-            <a:off x="1800502" y="5695195"/>
-            <a:ext cx="6371304" cy="825909"/>
+            <a:off x="1568390" y="4731399"/>
+            <a:ext cx="7126593" cy="589901"/>
           </a:xfrm>
           <a:prstGeom prst="rect">
             <a:avLst/>
@@ -13257,110 +13223,6 @@
       </p:sp>
       <p:sp>
         <p:nvSpPr>
-          <p:cNvPr id="33" name="Oval 32">
-            <a:extLst>
-              <a:ext uri="{FF2B5EF4-FFF2-40B4-BE49-F238E27FC236}">
-                <a16:creationId xmlns:a16="http://schemas.microsoft.com/office/drawing/2014/main" id="{590AD5B1-78F0-5527-36AF-899EACBF4EED}"/>
-              </a:ext>
-            </a:extLst>
-          </p:cNvPr>
-          <p:cNvSpPr/>
-          <p:nvPr/>
-        </p:nvSpPr>
-        <p:spPr>
-          <a:xfrm>
-            <a:off x="2124299" y="5982150"/>
-            <a:ext cx="252000" cy="252000"/>
-          </a:xfrm>
-          <a:prstGeom prst="ellipse">
-            <a:avLst/>
-          </a:prstGeom>
-          <a:noFill/>
-          <a:ln w="28575">
-            <a:solidFill>
-              <a:srgbClr val="00B0F0"/>
-            </a:solidFill>
-          </a:ln>
-        </p:spPr>
-        <p:style>
-          <a:lnRef idx="2">
-            <a:schemeClr val="accent1">
-              <a:shade val="15000"/>
-            </a:schemeClr>
-          </a:lnRef>
-          <a:fillRef idx="1">
-            <a:schemeClr val="accent1"/>
-          </a:fillRef>
-          <a:effectRef idx="0">
-            <a:schemeClr val="accent1"/>
-          </a:effectRef>
-          <a:fontRef idx="minor">
-            <a:schemeClr val="lt1"/>
-          </a:fontRef>
-        </p:style>
-        <p:txBody>
-          <a:bodyPr rtlCol="0" anchor="ctr"/>
-          <a:lstStyle/>
-          <a:p>
-            <a:pPr algn="ctr"/>
-            <a:endParaRPr lang="en-GB"/>
-          </a:p>
-        </p:txBody>
-      </p:sp>
-      <p:sp>
-        <p:nvSpPr>
-          <p:cNvPr id="34" name="Oval 33">
-            <a:extLst>
-              <a:ext uri="{FF2B5EF4-FFF2-40B4-BE49-F238E27FC236}">
-                <a16:creationId xmlns:a16="http://schemas.microsoft.com/office/drawing/2014/main" id="{4B757842-EF06-4A1C-91CA-686E318955B1}"/>
-              </a:ext>
-            </a:extLst>
-          </p:cNvPr>
-          <p:cNvSpPr/>
-          <p:nvPr/>
-        </p:nvSpPr>
-        <p:spPr>
-          <a:xfrm>
-            <a:off x="2214299" y="6067560"/>
-            <a:ext cx="72000" cy="72000"/>
-          </a:xfrm>
-          <a:prstGeom prst="ellipse">
-            <a:avLst/>
-          </a:prstGeom>
-          <a:solidFill>
-            <a:srgbClr val="00B0F0"/>
-          </a:solidFill>
-          <a:ln w="60325">
-            <a:noFill/>
-          </a:ln>
-        </p:spPr>
-        <p:style>
-          <a:lnRef idx="2">
-            <a:schemeClr val="accent1">
-              <a:shade val="15000"/>
-            </a:schemeClr>
-          </a:lnRef>
-          <a:fillRef idx="1">
-            <a:schemeClr val="accent1"/>
-          </a:fillRef>
-          <a:effectRef idx="0">
-            <a:schemeClr val="accent1"/>
-          </a:effectRef>
-          <a:fontRef idx="minor">
-            <a:schemeClr val="lt1"/>
-          </a:fontRef>
-        </p:style>
-        <p:txBody>
-          <a:bodyPr rtlCol="0" anchor="ctr"/>
-          <a:lstStyle/>
-          <a:p>
-            <a:pPr algn="ctr"/>
-            <a:endParaRPr lang="en-GB"/>
-          </a:p>
-        </p:txBody>
-      </p:sp>
-      <p:sp>
-        <p:nvSpPr>
           <p:cNvPr id="35" name="TextBox 34">
             <a:extLst>
               <a:ext uri="{FF2B5EF4-FFF2-40B4-BE49-F238E27FC236}">
@@ -13373,8 +13235,8 @@
         </p:nvSpPr>
         <p:spPr>
           <a:xfrm>
-            <a:off x="2416091" y="5908095"/>
-            <a:ext cx="3675888" cy="400110"/>
+            <a:off x="2256399" y="4812591"/>
+            <a:ext cx="4111648" cy="285776"/>
           </a:xfrm>
           <a:prstGeom prst="rect">
             <a:avLst/>
@@ -13414,8 +13276,8 @@
         </p:nvSpPr>
         <p:spPr>
           <a:xfrm>
-            <a:off x="5658287" y="5999684"/>
-            <a:ext cx="866392" cy="209295"/>
+            <a:off x="5883498" y="4948879"/>
+            <a:ext cx="969099" cy="149488"/>
           </a:xfrm>
           <a:prstGeom prst="roundRect">
             <a:avLst>
@@ -13603,51 +13465,762 @@
           </a:p>
         </p:txBody>
       </p:sp>
-    </p:spTree>
-    <p:extLst>
-      <p:ext uri="{BB962C8B-B14F-4D97-AF65-F5344CB8AC3E}">
-        <p14:creationId xmlns:p14="http://schemas.microsoft.com/office/powerpoint/2010/main" val="2191766590"/>
-      </p:ext>
-    </p:extLst>
-  </p:cSld>
-  <p:clrMapOvr>
-    <a:masterClrMapping/>
-  </p:clrMapOvr>
-  <p:transition spd="slow">
-    <p:wipe/>
-  </p:transition>
-</p:sld>
-</file>
-
-<file path=ppt/slides/slide5.xml><?xml version="1.0" encoding="utf-8"?>
-<p:sld xmlns:a="http://schemas.openxmlformats.org/drawingml/2006/main" xmlns:r="http://schemas.openxmlformats.org/officeDocument/2006/relationships" xmlns:p="http://schemas.openxmlformats.org/presentationml/2006/main">
-  <p:cSld>
-    <p:spTree>
-      <p:nvGrpSpPr>
-        <p:cNvPr id="1" name="">
-          <a:extLst>
-            <a:ext uri="{FF2B5EF4-FFF2-40B4-BE49-F238E27FC236}">
-              <a16:creationId xmlns:a16="http://schemas.microsoft.com/office/drawing/2014/main" id="{24C915EB-5504-DD63-0802-BE3A1A3D1C10}"/>
-            </a:ext>
-          </a:extLst>
-        </p:cNvPr>
-        <p:cNvGrpSpPr/>
-        <p:nvPr/>
-      </p:nvGrpSpPr>
-      <p:grpSpPr>
-        <a:xfrm>
-          <a:off x="0" y="0"/>
-          <a:ext cx="0" cy="0"/>
-          <a:chOff x="0" y="0"/>
-          <a:chExt cx="0" cy="0"/>
-        </a:xfrm>
-      </p:grpSpPr>
-      <p:sp>
-        <p:nvSpPr>
-          <p:cNvPr id="4" name="Rectangle 3">
+      <p:grpSp>
+        <p:nvGrpSpPr>
+          <p:cNvPr id="91" name="Group 90">
             <a:extLst>
               <a:ext uri="{FF2B5EF4-FFF2-40B4-BE49-F238E27FC236}">
-                <a16:creationId xmlns:a16="http://schemas.microsoft.com/office/drawing/2014/main" id="{5002D532-83AB-7D1F-89E0-D93F39DE645A}"/>
+                <a16:creationId xmlns:a16="http://schemas.microsoft.com/office/drawing/2014/main" id="{03137416-435B-B404-9BAC-6BF7845A2D73}"/>
+              </a:ext>
+            </a:extLst>
+          </p:cNvPr>
+          <p:cNvGrpSpPr/>
+          <p:nvPr/>
+        </p:nvGrpSpPr>
+        <p:grpSpPr>
+          <a:xfrm>
+            <a:off x="1788816" y="1976557"/>
+            <a:ext cx="203260" cy="202313"/>
+            <a:chOff x="2124299" y="1853819"/>
+            <a:chExt cx="252000" cy="252000"/>
+          </a:xfrm>
+        </p:grpSpPr>
+        <p:sp>
+          <p:nvSpPr>
+            <p:cNvPr id="92" name="Oval 91">
+              <a:extLst>
+                <a:ext uri="{FF2B5EF4-FFF2-40B4-BE49-F238E27FC236}">
+                  <a16:creationId xmlns:a16="http://schemas.microsoft.com/office/drawing/2014/main" id="{F3588AD6-3259-0BA0-F8BD-DAA6C09C5EB6}"/>
+                </a:ext>
+              </a:extLst>
+            </p:cNvPr>
+            <p:cNvSpPr/>
+            <p:nvPr/>
+          </p:nvSpPr>
+          <p:spPr>
+            <a:xfrm>
+              <a:off x="2124299" y="1853819"/>
+              <a:ext cx="252000" cy="252000"/>
+            </a:xfrm>
+            <a:prstGeom prst="ellipse">
+              <a:avLst/>
+            </a:prstGeom>
+            <a:noFill/>
+            <a:ln w="28575">
+              <a:solidFill>
+                <a:srgbClr val="00B0F0"/>
+              </a:solidFill>
+            </a:ln>
+          </p:spPr>
+          <p:style>
+            <a:lnRef idx="2">
+              <a:schemeClr val="accent1">
+                <a:shade val="15000"/>
+              </a:schemeClr>
+            </a:lnRef>
+            <a:fillRef idx="1">
+              <a:schemeClr val="accent1"/>
+            </a:fillRef>
+            <a:effectRef idx="0">
+              <a:schemeClr val="accent1"/>
+            </a:effectRef>
+            <a:fontRef idx="minor">
+              <a:schemeClr val="lt1"/>
+            </a:fontRef>
+          </p:style>
+          <p:txBody>
+            <a:bodyPr rtlCol="0" anchor="ctr"/>
+            <a:lstStyle/>
+            <a:p>
+              <a:pPr algn="ctr"/>
+              <a:endParaRPr lang="en-GB"/>
+            </a:p>
+          </p:txBody>
+        </p:sp>
+        <p:sp>
+          <p:nvSpPr>
+            <p:cNvPr id="93" name="Oval 92">
+              <a:extLst>
+                <a:ext uri="{FF2B5EF4-FFF2-40B4-BE49-F238E27FC236}">
+                  <a16:creationId xmlns:a16="http://schemas.microsoft.com/office/drawing/2014/main" id="{E94AE87D-B546-FAD0-621A-B242BB0AA0AE}"/>
+                </a:ext>
+              </a:extLst>
+            </p:cNvPr>
+            <p:cNvSpPr/>
+            <p:nvPr/>
+          </p:nvSpPr>
+          <p:spPr>
+            <a:xfrm>
+              <a:off x="2214299" y="1939229"/>
+              <a:ext cx="72000" cy="72000"/>
+            </a:xfrm>
+            <a:prstGeom prst="ellipse">
+              <a:avLst/>
+            </a:prstGeom>
+            <a:solidFill>
+              <a:srgbClr val="00B0F0"/>
+            </a:solidFill>
+            <a:ln w="60325">
+              <a:noFill/>
+            </a:ln>
+          </p:spPr>
+          <p:style>
+            <a:lnRef idx="2">
+              <a:schemeClr val="accent1">
+                <a:shade val="15000"/>
+              </a:schemeClr>
+            </a:lnRef>
+            <a:fillRef idx="1">
+              <a:schemeClr val="accent1"/>
+            </a:fillRef>
+            <a:effectRef idx="0">
+              <a:schemeClr val="accent1"/>
+            </a:effectRef>
+            <a:fontRef idx="minor">
+              <a:schemeClr val="lt1"/>
+            </a:fontRef>
+          </p:style>
+          <p:txBody>
+            <a:bodyPr rtlCol="0" anchor="ctr"/>
+            <a:lstStyle/>
+            <a:p>
+              <a:pPr algn="ctr"/>
+              <a:endParaRPr lang="en-GB"/>
+            </a:p>
+          </p:txBody>
+        </p:sp>
+      </p:grpSp>
+      <p:grpSp>
+        <p:nvGrpSpPr>
+          <p:cNvPr id="94" name="Group 93">
+            <a:extLst>
+              <a:ext uri="{FF2B5EF4-FFF2-40B4-BE49-F238E27FC236}">
+                <a16:creationId xmlns:a16="http://schemas.microsoft.com/office/drawing/2014/main" id="{1E482C6C-3FF1-C7FE-8357-965C33FCD2B6}"/>
+              </a:ext>
+            </a:extLst>
+          </p:cNvPr>
+          <p:cNvGrpSpPr/>
+          <p:nvPr/>
+        </p:nvGrpSpPr>
+        <p:grpSpPr>
+          <a:xfrm>
+            <a:off x="1788816" y="2559285"/>
+            <a:ext cx="203260" cy="202313"/>
+            <a:chOff x="2124299" y="1853819"/>
+            <a:chExt cx="252000" cy="252000"/>
+          </a:xfrm>
+        </p:grpSpPr>
+        <p:sp>
+          <p:nvSpPr>
+            <p:cNvPr id="95" name="Oval 94">
+              <a:extLst>
+                <a:ext uri="{FF2B5EF4-FFF2-40B4-BE49-F238E27FC236}">
+                  <a16:creationId xmlns:a16="http://schemas.microsoft.com/office/drawing/2014/main" id="{3558772A-E87B-9F64-EDA7-09F36C29DB60}"/>
+                </a:ext>
+              </a:extLst>
+            </p:cNvPr>
+            <p:cNvSpPr/>
+            <p:nvPr/>
+          </p:nvSpPr>
+          <p:spPr>
+            <a:xfrm>
+              <a:off x="2124299" y="1853819"/>
+              <a:ext cx="252000" cy="252000"/>
+            </a:xfrm>
+            <a:prstGeom prst="ellipse">
+              <a:avLst/>
+            </a:prstGeom>
+            <a:noFill/>
+            <a:ln w="28575">
+              <a:solidFill>
+                <a:srgbClr val="00B0F0"/>
+              </a:solidFill>
+            </a:ln>
+          </p:spPr>
+          <p:style>
+            <a:lnRef idx="2">
+              <a:schemeClr val="accent1">
+                <a:shade val="15000"/>
+              </a:schemeClr>
+            </a:lnRef>
+            <a:fillRef idx="1">
+              <a:schemeClr val="accent1"/>
+            </a:fillRef>
+            <a:effectRef idx="0">
+              <a:schemeClr val="accent1"/>
+            </a:effectRef>
+            <a:fontRef idx="minor">
+              <a:schemeClr val="lt1"/>
+            </a:fontRef>
+          </p:style>
+          <p:txBody>
+            <a:bodyPr rtlCol="0" anchor="ctr"/>
+            <a:lstStyle/>
+            <a:p>
+              <a:pPr algn="ctr"/>
+              <a:endParaRPr lang="en-GB"/>
+            </a:p>
+          </p:txBody>
+        </p:sp>
+        <p:sp>
+          <p:nvSpPr>
+            <p:cNvPr id="96" name="Oval 95">
+              <a:extLst>
+                <a:ext uri="{FF2B5EF4-FFF2-40B4-BE49-F238E27FC236}">
+                  <a16:creationId xmlns:a16="http://schemas.microsoft.com/office/drawing/2014/main" id="{0D465809-A11D-D55B-8F4D-DB64148D1633}"/>
+                </a:ext>
+              </a:extLst>
+            </p:cNvPr>
+            <p:cNvSpPr/>
+            <p:nvPr/>
+          </p:nvSpPr>
+          <p:spPr>
+            <a:xfrm>
+              <a:off x="2214299" y="1939229"/>
+              <a:ext cx="72000" cy="72000"/>
+            </a:xfrm>
+            <a:prstGeom prst="ellipse">
+              <a:avLst/>
+            </a:prstGeom>
+            <a:solidFill>
+              <a:srgbClr val="00B0F0"/>
+            </a:solidFill>
+            <a:ln w="60325">
+              <a:noFill/>
+            </a:ln>
+          </p:spPr>
+          <p:style>
+            <a:lnRef idx="2">
+              <a:schemeClr val="accent1">
+                <a:shade val="15000"/>
+              </a:schemeClr>
+            </a:lnRef>
+            <a:fillRef idx="1">
+              <a:schemeClr val="accent1"/>
+            </a:fillRef>
+            <a:effectRef idx="0">
+              <a:schemeClr val="accent1"/>
+            </a:effectRef>
+            <a:fontRef idx="minor">
+              <a:schemeClr val="lt1"/>
+            </a:fontRef>
+          </p:style>
+          <p:txBody>
+            <a:bodyPr rtlCol="0" anchor="ctr"/>
+            <a:lstStyle/>
+            <a:p>
+              <a:pPr algn="ctr"/>
+              <a:endParaRPr lang="en-GB"/>
+            </a:p>
+          </p:txBody>
+        </p:sp>
+      </p:grpSp>
+      <p:grpSp>
+        <p:nvGrpSpPr>
+          <p:cNvPr id="97" name="Group 96">
+            <a:extLst>
+              <a:ext uri="{FF2B5EF4-FFF2-40B4-BE49-F238E27FC236}">
+                <a16:creationId xmlns:a16="http://schemas.microsoft.com/office/drawing/2014/main" id="{6CCA546F-CE43-DCD8-9C9B-B885911C9726}"/>
+              </a:ext>
+            </a:extLst>
+          </p:cNvPr>
+          <p:cNvGrpSpPr/>
+          <p:nvPr/>
+        </p:nvGrpSpPr>
+        <p:grpSpPr>
+          <a:xfrm>
+            <a:off x="1788816" y="3154264"/>
+            <a:ext cx="203260" cy="202313"/>
+            <a:chOff x="2124299" y="1853819"/>
+            <a:chExt cx="252000" cy="252000"/>
+          </a:xfrm>
+        </p:grpSpPr>
+        <p:sp>
+          <p:nvSpPr>
+            <p:cNvPr id="98" name="Oval 97">
+              <a:extLst>
+                <a:ext uri="{FF2B5EF4-FFF2-40B4-BE49-F238E27FC236}">
+                  <a16:creationId xmlns:a16="http://schemas.microsoft.com/office/drawing/2014/main" id="{A9943EE8-7737-835B-39A5-B976D7C5E0D2}"/>
+                </a:ext>
+              </a:extLst>
+            </p:cNvPr>
+            <p:cNvSpPr/>
+            <p:nvPr/>
+          </p:nvSpPr>
+          <p:spPr>
+            <a:xfrm>
+              <a:off x="2124299" y="1853819"/>
+              <a:ext cx="252000" cy="252000"/>
+            </a:xfrm>
+            <a:prstGeom prst="ellipse">
+              <a:avLst/>
+            </a:prstGeom>
+            <a:noFill/>
+            <a:ln w="28575">
+              <a:solidFill>
+                <a:srgbClr val="00B0F0"/>
+              </a:solidFill>
+            </a:ln>
+          </p:spPr>
+          <p:style>
+            <a:lnRef idx="2">
+              <a:schemeClr val="accent1">
+                <a:shade val="15000"/>
+              </a:schemeClr>
+            </a:lnRef>
+            <a:fillRef idx="1">
+              <a:schemeClr val="accent1"/>
+            </a:fillRef>
+            <a:effectRef idx="0">
+              <a:schemeClr val="accent1"/>
+            </a:effectRef>
+            <a:fontRef idx="minor">
+              <a:schemeClr val="lt1"/>
+            </a:fontRef>
+          </p:style>
+          <p:txBody>
+            <a:bodyPr rtlCol="0" anchor="ctr"/>
+            <a:lstStyle/>
+            <a:p>
+              <a:pPr algn="ctr"/>
+              <a:endParaRPr lang="en-GB"/>
+            </a:p>
+          </p:txBody>
+        </p:sp>
+        <p:sp>
+          <p:nvSpPr>
+            <p:cNvPr id="99" name="Oval 98">
+              <a:extLst>
+                <a:ext uri="{FF2B5EF4-FFF2-40B4-BE49-F238E27FC236}">
+                  <a16:creationId xmlns:a16="http://schemas.microsoft.com/office/drawing/2014/main" id="{6BCC73A8-F841-4738-203F-4CF9447418D7}"/>
+                </a:ext>
+              </a:extLst>
+            </p:cNvPr>
+            <p:cNvSpPr/>
+            <p:nvPr/>
+          </p:nvSpPr>
+          <p:spPr>
+            <a:xfrm>
+              <a:off x="2214299" y="1939229"/>
+              <a:ext cx="72000" cy="72000"/>
+            </a:xfrm>
+            <a:prstGeom prst="ellipse">
+              <a:avLst/>
+            </a:prstGeom>
+            <a:solidFill>
+              <a:srgbClr val="00B0F0"/>
+            </a:solidFill>
+            <a:ln w="60325">
+              <a:noFill/>
+            </a:ln>
+          </p:spPr>
+          <p:style>
+            <a:lnRef idx="2">
+              <a:schemeClr val="accent1">
+                <a:shade val="15000"/>
+              </a:schemeClr>
+            </a:lnRef>
+            <a:fillRef idx="1">
+              <a:schemeClr val="accent1"/>
+            </a:fillRef>
+            <a:effectRef idx="0">
+              <a:schemeClr val="accent1"/>
+            </a:effectRef>
+            <a:fontRef idx="minor">
+              <a:schemeClr val="lt1"/>
+            </a:fontRef>
+          </p:style>
+          <p:txBody>
+            <a:bodyPr rtlCol="0" anchor="ctr"/>
+            <a:lstStyle/>
+            <a:p>
+              <a:pPr algn="ctr"/>
+              <a:endParaRPr lang="en-GB"/>
+            </a:p>
+          </p:txBody>
+        </p:sp>
+      </p:grpSp>
+      <p:grpSp>
+        <p:nvGrpSpPr>
+          <p:cNvPr id="103" name="Group 102">
+            <a:extLst>
+              <a:ext uri="{FF2B5EF4-FFF2-40B4-BE49-F238E27FC236}">
+                <a16:creationId xmlns:a16="http://schemas.microsoft.com/office/drawing/2014/main" id="{E0C038FB-76F0-6609-1F5E-57F94DE3484F}"/>
+              </a:ext>
+            </a:extLst>
+          </p:cNvPr>
+          <p:cNvGrpSpPr/>
+          <p:nvPr/>
+        </p:nvGrpSpPr>
+        <p:grpSpPr>
+          <a:xfrm>
+            <a:off x="1788816" y="3742222"/>
+            <a:ext cx="203260" cy="202313"/>
+            <a:chOff x="2124299" y="1853819"/>
+            <a:chExt cx="252000" cy="252000"/>
+          </a:xfrm>
+        </p:grpSpPr>
+        <p:sp>
+          <p:nvSpPr>
+            <p:cNvPr id="104" name="Oval 103">
+              <a:extLst>
+                <a:ext uri="{FF2B5EF4-FFF2-40B4-BE49-F238E27FC236}">
+                  <a16:creationId xmlns:a16="http://schemas.microsoft.com/office/drawing/2014/main" id="{752549EF-72BF-2FE7-26F3-55805A68F682}"/>
+                </a:ext>
+              </a:extLst>
+            </p:cNvPr>
+            <p:cNvSpPr/>
+            <p:nvPr/>
+          </p:nvSpPr>
+          <p:spPr>
+            <a:xfrm>
+              <a:off x="2124299" y="1853819"/>
+              <a:ext cx="252000" cy="252000"/>
+            </a:xfrm>
+            <a:prstGeom prst="ellipse">
+              <a:avLst/>
+            </a:prstGeom>
+            <a:noFill/>
+            <a:ln w="28575">
+              <a:solidFill>
+                <a:srgbClr val="00B0F0"/>
+              </a:solidFill>
+            </a:ln>
+          </p:spPr>
+          <p:style>
+            <a:lnRef idx="2">
+              <a:schemeClr val="accent1">
+                <a:shade val="15000"/>
+              </a:schemeClr>
+            </a:lnRef>
+            <a:fillRef idx="1">
+              <a:schemeClr val="accent1"/>
+            </a:fillRef>
+            <a:effectRef idx="0">
+              <a:schemeClr val="accent1"/>
+            </a:effectRef>
+            <a:fontRef idx="minor">
+              <a:schemeClr val="lt1"/>
+            </a:fontRef>
+          </p:style>
+          <p:txBody>
+            <a:bodyPr rtlCol="0" anchor="ctr"/>
+            <a:lstStyle/>
+            <a:p>
+              <a:pPr algn="ctr"/>
+              <a:endParaRPr lang="en-GB"/>
+            </a:p>
+          </p:txBody>
+        </p:sp>
+        <p:sp>
+          <p:nvSpPr>
+            <p:cNvPr id="105" name="Oval 104">
+              <a:extLst>
+                <a:ext uri="{FF2B5EF4-FFF2-40B4-BE49-F238E27FC236}">
+                  <a16:creationId xmlns:a16="http://schemas.microsoft.com/office/drawing/2014/main" id="{B6011B64-17CC-9F5B-2A1D-760636CBBE30}"/>
+                </a:ext>
+              </a:extLst>
+            </p:cNvPr>
+            <p:cNvSpPr/>
+            <p:nvPr/>
+          </p:nvSpPr>
+          <p:spPr>
+            <a:xfrm>
+              <a:off x="2214299" y="1939229"/>
+              <a:ext cx="72000" cy="72000"/>
+            </a:xfrm>
+            <a:prstGeom prst="ellipse">
+              <a:avLst/>
+            </a:prstGeom>
+            <a:solidFill>
+              <a:srgbClr val="00B0F0"/>
+            </a:solidFill>
+            <a:ln w="60325">
+              <a:noFill/>
+            </a:ln>
+          </p:spPr>
+          <p:style>
+            <a:lnRef idx="2">
+              <a:schemeClr val="accent1">
+                <a:shade val="15000"/>
+              </a:schemeClr>
+            </a:lnRef>
+            <a:fillRef idx="1">
+              <a:schemeClr val="accent1"/>
+            </a:fillRef>
+            <a:effectRef idx="0">
+              <a:schemeClr val="accent1"/>
+            </a:effectRef>
+            <a:fontRef idx="minor">
+              <a:schemeClr val="lt1"/>
+            </a:fontRef>
+          </p:style>
+          <p:txBody>
+            <a:bodyPr rtlCol="0" anchor="ctr"/>
+            <a:lstStyle/>
+            <a:p>
+              <a:pPr algn="ctr"/>
+              <a:endParaRPr lang="en-GB"/>
+            </a:p>
+          </p:txBody>
+        </p:sp>
+      </p:grpSp>
+      <p:grpSp>
+        <p:nvGrpSpPr>
+          <p:cNvPr id="106" name="Group 105">
+            <a:extLst>
+              <a:ext uri="{FF2B5EF4-FFF2-40B4-BE49-F238E27FC236}">
+                <a16:creationId xmlns:a16="http://schemas.microsoft.com/office/drawing/2014/main" id="{31EA20EE-D8BF-0DF6-9E4B-41D4E1467869}"/>
+              </a:ext>
+            </a:extLst>
+          </p:cNvPr>
+          <p:cNvGrpSpPr/>
+          <p:nvPr/>
+        </p:nvGrpSpPr>
+        <p:grpSpPr>
+          <a:xfrm>
+            <a:off x="1788816" y="4329372"/>
+            <a:ext cx="203260" cy="202313"/>
+            <a:chOff x="2124299" y="1853819"/>
+            <a:chExt cx="252000" cy="252000"/>
+          </a:xfrm>
+        </p:grpSpPr>
+        <p:sp>
+          <p:nvSpPr>
+            <p:cNvPr id="107" name="Oval 106">
+              <a:extLst>
+                <a:ext uri="{FF2B5EF4-FFF2-40B4-BE49-F238E27FC236}">
+                  <a16:creationId xmlns:a16="http://schemas.microsoft.com/office/drawing/2014/main" id="{3CCF7D01-2CFF-604F-2659-296260C04D3C}"/>
+                </a:ext>
+              </a:extLst>
+            </p:cNvPr>
+            <p:cNvSpPr/>
+            <p:nvPr/>
+          </p:nvSpPr>
+          <p:spPr>
+            <a:xfrm>
+              <a:off x="2124299" y="1853819"/>
+              <a:ext cx="252000" cy="252000"/>
+            </a:xfrm>
+            <a:prstGeom prst="ellipse">
+              <a:avLst/>
+            </a:prstGeom>
+            <a:noFill/>
+            <a:ln w="28575">
+              <a:solidFill>
+                <a:srgbClr val="00B0F0"/>
+              </a:solidFill>
+            </a:ln>
+          </p:spPr>
+          <p:style>
+            <a:lnRef idx="2">
+              <a:schemeClr val="accent1">
+                <a:shade val="15000"/>
+              </a:schemeClr>
+            </a:lnRef>
+            <a:fillRef idx="1">
+              <a:schemeClr val="accent1"/>
+            </a:fillRef>
+            <a:effectRef idx="0">
+              <a:schemeClr val="accent1"/>
+            </a:effectRef>
+            <a:fontRef idx="minor">
+              <a:schemeClr val="lt1"/>
+            </a:fontRef>
+          </p:style>
+          <p:txBody>
+            <a:bodyPr rtlCol="0" anchor="ctr"/>
+            <a:lstStyle/>
+            <a:p>
+              <a:pPr algn="ctr"/>
+              <a:endParaRPr lang="en-GB"/>
+            </a:p>
+          </p:txBody>
+        </p:sp>
+        <p:sp>
+          <p:nvSpPr>
+            <p:cNvPr id="108" name="Oval 107">
+              <a:extLst>
+                <a:ext uri="{FF2B5EF4-FFF2-40B4-BE49-F238E27FC236}">
+                  <a16:creationId xmlns:a16="http://schemas.microsoft.com/office/drawing/2014/main" id="{BC2C2B13-1523-7353-D7FF-B057D0B1B430}"/>
+                </a:ext>
+              </a:extLst>
+            </p:cNvPr>
+            <p:cNvSpPr/>
+            <p:nvPr/>
+          </p:nvSpPr>
+          <p:spPr>
+            <a:xfrm>
+              <a:off x="2214299" y="1939229"/>
+              <a:ext cx="72000" cy="72000"/>
+            </a:xfrm>
+            <a:prstGeom prst="ellipse">
+              <a:avLst/>
+            </a:prstGeom>
+            <a:solidFill>
+              <a:srgbClr val="00B0F0"/>
+            </a:solidFill>
+            <a:ln w="60325">
+              <a:noFill/>
+            </a:ln>
+          </p:spPr>
+          <p:style>
+            <a:lnRef idx="2">
+              <a:schemeClr val="accent1">
+                <a:shade val="15000"/>
+              </a:schemeClr>
+            </a:lnRef>
+            <a:fillRef idx="1">
+              <a:schemeClr val="accent1"/>
+            </a:fillRef>
+            <a:effectRef idx="0">
+              <a:schemeClr val="accent1"/>
+            </a:effectRef>
+            <a:fontRef idx="minor">
+              <a:schemeClr val="lt1"/>
+            </a:fontRef>
+          </p:style>
+          <p:txBody>
+            <a:bodyPr rtlCol="0" anchor="ctr"/>
+            <a:lstStyle/>
+            <a:p>
+              <a:pPr algn="ctr"/>
+              <a:endParaRPr lang="en-GB"/>
+            </a:p>
+          </p:txBody>
+        </p:sp>
+      </p:grpSp>
+      <p:grpSp>
+        <p:nvGrpSpPr>
+          <p:cNvPr id="109" name="Group 108">
+            <a:extLst>
+              <a:ext uri="{FF2B5EF4-FFF2-40B4-BE49-F238E27FC236}">
+                <a16:creationId xmlns:a16="http://schemas.microsoft.com/office/drawing/2014/main" id="{73EC5AD5-9A77-2493-53A4-23189ACB7167}"/>
+              </a:ext>
+            </a:extLst>
+          </p:cNvPr>
+          <p:cNvGrpSpPr/>
+          <p:nvPr/>
+        </p:nvGrpSpPr>
+        <p:grpSpPr>
+          <a:xfrm>
+            <a:off x="1788816" y="4919120"/>
+            <a:ext cx="203260" cy="202313"/>
+            <a:chOff x="2124299" y="1853819"/>
+            <a:chExt cx="252000" cy="252000"/>
+          </a:xfrm>
+        </p:grpSpPr>
+        <p:sp>
+          <p:nvSpPr>
+            <p:cNvPr id="110" name="Oval 109">
+              <a:extLst>
+                <a:ext uri="{FF2B5EF4-FFF2-40B4-BE49-F238E27FC236}">
+                  <a16:creationId xmlns:a16="http://schemas.microsoft.com/office/drawing/2014/main" id="{2333C291-2B56-3BDD-6FEC-766FED6A72C1}"/>
+                </a:ext>
+              </a:extLst>
+            </p:cNvPr>
+            <p:cNvSpPr/>
+            <p:nvPr/>
+          </p:nvSpPr>
+          <p:spPr>
+            <a:xfrm>
+              <a:off x="2124299" y="1853819"/>
+              <a:ext cx="252000" cy="252000"/>
+            </a:xfrm>
+            <a:prstGeom prst="ellipse">
+              <a:avLst/>
+            </a:prstGeom>
+            <a:noFill/>
+            <a:ln w="28575">
+              <a:solidFill>
+                <a:srgbClr val="00B0F0"/>
+              </a:solidFill>
+            </a:ln>
+          </p:spPr>
+          <p:style>
+            <a:lnRef idx="2">
+              <a:schemeClr val="accent1">
+                <a:shade val="15000"/>
+              </a:schemeClr>
+            </a:lnRef>
+            <a:fillRef idx="1">
+              <a:schemeClr val="accent1"/>
+            </a:fillRef>
+            <a:effectRef idx="0">
+              <a:schemeClr val="accent1"/>
+            </a:effectRef>
+            <a:fontRef idx="minor">
+              <a:schemeClr val="lt1"/>
+            </a:fontRef>
+          </p:style>
+          <p:txBody>
+            <a:bodyPr rtlCol="0" anchor="ctr"/>
+            <a:lstStyle/>
+            <a:p>
+              <a:pPr algn="ctr"/>
+              <a:endParaRPr lang="en-GB"/>
+            </a:p>
+          </p:txBody>
+        </p:sp>
+        <p:sp>
+          <p:nvSpPr>
+            <p:cNvPr id="111" name="Oval 110">
+              <a:extLst>
+                <a:ext uri="{FF2B5EF4-FFF2-40B4-BE49-F238E27FC236}">
+                  <a16:creationId xmlns:a16="http://schemas.microsoft.com/office/drawing/2014/main" id="{762B775F-0F8B-BC82-47CE-500C156EE3F8}"/>
+                </a:ext>
+              </a:extLst>
+            </p:cNvPr>
+            <p:cNvSpPr/>
+            <p:nvPr/>
+          </p:nvSpPr>
+          <p:spPr>
+            <a:xfrm>
+              <a:off x="2214299" y="1939229"/>
+              <a:ext cx="72000" cy="72000"/>
+            </a:xfrm>
+            <a:prstGeom prst="ellipse">
+              <a:avLst/>
+            </a:prstGeom>
+            <a:solidFill>
+              <a:srgbClr val="00B0F0"/>
+            </a:solidFill>
+            <a:ln w="60325">
+              <a:noFill/>
+            </a:ln>
+          </p:spPr>
+          <p:style>
+            <a:lnRef idx="2">
+              <a:schemeClr val="accent1">
+                <a:shade val="15000"/>
+              </a:schemeClr>
+            </a:lnRef>
+            <a:fillRef idx="1">
+              <a:schemeClr val="accent1"/>
+            </a:fillRef>
+            <a:effectRef idx="0">
+              <a:schemeClr val="accent1"/>
+            </a:effectRef>
+            <a:fontRef idx="minor">
+              <a:schemeClr val="lt1"/>
+            </a:fontRef>
+          </p:style>
+          <p:txBody>
+            <a:bodyPr rtlCol="0" anchor="ctr"/>
+            <a:lstStyle/>
+            <a:p>
+              <a:pPr algn="ctr"/>
+              <a:endParaRPr lang="en-GB"/>
+            </a:p>
+          </p:txBody>
+        </p:sp>
+      </p:grpSp>
+      <p:sp>
+        <p:nvSpPr>
+          <p:cNvPr id="130" name="Rectangle 129">
+            <a:extLst>
+              <a:ext uri="{FF2B5EF4-FFF2-40B4-BE49-F238E27FC236}">
+                <a16:creationId xmlns:a16="http://schemas.microsoft.com/office/drawing/2014/main" id="{56B68A9A-D39A-CCBB-065F-A25577444C79}"/>
               </a:ext>
             </a:extLst>
           </p:cNvPr>
@@ -13656,8 +14229,8 @@
         </p:nvSpPr>
         <p:spPr>
           <a:xfrm>
-            <a:off x="1800502" y="2392773"/>
-            <a:ext cx="6371304" cy="2572517"/>
+            <a:off x="1568390" y="5320994"/>
+            <a:ext cx="7126593" cy="589901"/>
           </a:xfrm>
           <a:prstGeom prst="rect">
             <a:avLst/>
@@ -13697,6 +14270,335 @@
           <a:lstStyle/>
           <a:p>
             <a:pPr algn="ctr"/>
+            <a:endParaRPr lang="en-GB"/>
+          </a:p>
+        </p:txBody>
+      </p:sp>
+      <p:sp>
+        <p:nvSpPr>
+          <p:cNvPr id="131" name="TextBox 130">
+            <a:extLst>
+              <a:ext uri="{FF2B5EF4-FFF2-40B4-BE49-F238E27FC236}">
+                <a16:creationId xmlns:a16="http://schemas.microsoft.com/office/drawing/2014/main" id="{01F9AF8C-3B7B-475B-E84C-1B924E90E77C}"/>
+              </a:ext>
+            </a:extLst>
+          </p:cNvPr>
+          <p:cNvSpPr txBox="1"/>
+          <p:nvPr/>
+        </p:nvSpPr>
+        <p:spPr>
+          <a:xfrm>
+            <a:off x="2256399" y="5402186"/>
+            <a:ext cx="4111648" cy="400110"/>
+          </a:xfrm>
+          <a:prstGeom prst="rect">
+            <a:avLst/>
+          </a:prstGeom>
+          <a:noFill/>
+        </p:spPr>
+        <p:txBody>
+          <a:bodyPr wrap="square" rtlCol="0">
+            <a:spAutoFit/>
+          </a:bodyPr>
+          <a:lstStyle/>
+          <a:p>
+            <a:r>
+              <a:rPr lang="en-GB" sz="2000" i="1" dirty="0">
+                <a:solidFill>
+                  <a:schemeClr val="bg1"/>
+                </a:solidFill>
+                <a:latin typeface="Segoe UI" panose="020B0502040204020203" pitchFamily="34" charset="0"/>
+                <a:cs typeface="Segoe UI" panose="020B0502040204020203" pitchFamily="34" charset="0"/>
+              </a:rPr>
+              <a:t>Ease of Travel App</a:t>
+            </a:r>
+          </a:p>
+        </p:txBody>
+      </p:sp>
+      <p:sp>
+        <p:nvSpPr>
+          <p:cNvPr id="132" name="Rectangle: Rounded Corners 131">
+            <a:extLst>
+              <a:ext uri="{FF2B5EF4-FFF2-40B4-BE49-F238E27FC236}">
+                <a16:creationId xmlns:a16="http://schemas.microsoft.com/office/drawing/2014/main" id="{EECE028D-A531-4CA6-8A8B-188733BE78FA}"/>
+              </a:ext>
+            </a:extLst>
+          </p:cNvPr>
+          <p:cNvSpPr/>
+          <p:nvPr/>
+        </p:nvSpPr>
+        <p:spPr>
+          <a:xfrm>
+            <a:off x="4647136" y="5538627"/>
+            <a:ext cx="969099" cy="149488"/>
+          </a:xfrm>
+          <a:prstGeom prst="roundRect">
+            <a:avLst>
+              <a:gd name="adj" fmla="val 50000"/>
+            </a:avLst>
+          </a:prstGeom>
+          <a:solidFill>
+            <a:srgbClr val="FFC000">
+              <a:alpha val="22000"/>
+            </a:srgbClr>
+          </a:solidFill>
+          <a:ln>
+            <a:solidFill>
+              <a:srgbClr val="FFC000"/>
+            </a:solidFill>
+          </a:ln>
+        </p:spPr>
+        <p:style>
+          <a:lnRef idx="2">
+            <a:schemeClr val="accent1">
+              <a:shade val="15000"/>
+            </a:schemeClr>
+          </a:lnRef>
+          <a:fillRef idx="1">
+            <a:schemeClr val="accent1"/>
+          </a:fillRef>
+          <a:effectRef idx="0">
+            <a:schemeClr val="accent1"/>
+          </a:effectRef>
+          <a:fontRef idx="minor">
+            <a:schemeClr val="lt1"/>
+          </a:fontRef>
+        </p:style>
+        <p:txBody>
+          <a:bodyPr rtlCol="0" anchor="ctr"/>
+          <a:lstStyle/>
+          <a:p>
+            <a:pPr algn="ctr"/>
+            <a:r>
+              <a:rPr lang="en-GB" sz="1200" dirty="0">
+                <a:solidFill>
+                  <a:srgbClr val="FFC000"/>
+                </a:solidFill>
+              </a:rPr>
+              <a:t>user story</a:t>
+            </a:r>
+          </a:p>
+        </p:txBody>
+      </p:sp>
+      <p:grpSp>
+        <p:nvGrpSpPr>
+          <p:cNvPr id="133" name="Group 132">
+            <a:extLst>
+              <a:ext uri="{FF2B5EF4-FFF2-40B4-BE49-F238E27FC236}">
+                <a16:creationId xmlns:a16="http://schemas.microsoft.com/office/drawing/2014/main" id="{1ECB85E9-E128-75EB-6FF5-863B545BF613}"/>
+              </a:ext>
+            </a:extLst>
+          </p:cNvPr>
+          <p:cNvGrpSpPr/>
+          <p:nvPr/>
+        </p:nvGrpSpPr>
+        <p:grpSpPr>
+          <a:xfrm>
+            <a:off x="1788816" y="5508715"/>
+            <a:ext cx="203260" cy="202313"/>
+            <a:chOff x="2124299" y="1853819"/>
+            <a:chExt cx="252000" cy="252000"/>
+          </a:xfrm>
+        </p:grpSpPr>
+        <p:sp>
+          <p:nvSpPr>
+            <p:cNvPr id="134" name="Oval 133">
+              <a:extLst>
+                <a:ext uri="{FF2B5EF4-FFF2-40B4-BE49-F238E27FC236}">
+                  <a16:creationId xmlns:a16="http://schemas.microsoft.com/office/drawing/2014/main" id="{C6E8DBF4-BE3B-E300-87FA-8B55BABA44E7}"/>
+                </a:ext>
+              </a:extLst>
+            </p:cNvPr>
+            <p:cNvSpPr/>
+            <p:nvPr/>
+          </p:nvSpPr>
+          <p:spPr>
+            <a:xfrm>
+              <a:off x="2124299" y="1853819"/>
+              <a:ext cx="252000" cy="252000"/>
+            </a:xfrm>
+            <a:prstGeom prst="ellipse">
+              <a:avLst/>
+            </a:prstGeom>
+            <a:noFill/>
+            <a:ln w="28575">
+              <a:solidFill>
+                <a:srgbClr val="00B0F0"/>
+              </a:solidFill>
+            </a:ln>
+          </p:spPr>
+          <p:style>
+            <a:lnRef idx="2">
+              <a:schemeClr val="accent1">
+                <a:shade val="15000"/>
+              </a:schemeClr>
+            </a:lnRef>
+            <a:fillRef idx="1">
+              <a:schemeClr val="accent1"/>
+            </a:fillRef>
+            <a:effectRef idx="0">
+              <a:schemeClr val="accent1"/>
+            </a:effectRef>
+            <a:fontRef idx="minor">
+              <a:schemeClr val="lt1"/>
+            </a:fontRef>
+          </p:style>
+          <p:txBody>
+            <a:bodyPr rtlCol="0" anchor="ctr"/>
+            <a:lstStyle/>
+            <a:p>
+              <a:pPr algn="ctr"/>
+              <a:endParaRPr lang="en-GB"/>
+            </a:p>
+          </p:txBody>
+        </p:sp>
+        <p:sp>
+          <p:nvSpPr>
+            <p:cNvPr id="135" name="Oval 134">
+              <a:extLst>
+                <a:ext uri="{FF2B5EF4-FFF2-40B4-BE49-F238E27FC236}">
+                  <a16:creationId xmlns:a16="http://schemas.microsoft.com/office/drawing/2014/main" id="{48FC2E94-5F55-396A-D76A-17AA6D69190A}"/>
+                </a:ext>
+              </a:extLst>
+            </p:cNvPr>
+            <p:cNvSpPr/>
+            <p:nvPr/>
+          </p:nvSpPr>
+          <p:spPr>
+            <a:xfrm>
+              <a:off x="2214299" y="1939229"/>
+              <a:ext cx="72000" cy="72000"/>
+            </a:xfrm>
+            <a:prstGeom prst="ellipse">
+              <a:avLst/>
+            </a:prstGeom>
+            <a:solidFill>
+              <a:srgbClr val="00B0F0"/>
+            </a:solidFill>
+            <a:ln w="60325">
+              <a:noFill/>
+            </a:ln>
+          </p:spPr>
+          <p:style>
+            <a:lnRef idx="2">
+              <a:schemeClr val="accent1">
+                <a:shade val="15000"/>
+              </a:schemeClr>
+            </a:lnRef>
+            <a:fillRef idx="1">
+              <a:schemeClr val="accent1"/>
+            </a:fillRef>
+            <a:effectRef idx="0">
+              <a:schemeClr val="accent1"/>
+            </a:effectRef>
+            <a:fontRef idx="minor">
+              <a:schemeClr val="lt1"/>
+            </a:fontRef>
+          </p:style>
+          <p:txBody>
+            <a:bodyPr rtlCol="0" anchor="ctr"/>
+            <a:lstStyle/>
+            <a:p>
+              <a:pPr algn="ctr"/>
+              <a:endParaRPr lang="en-GB"/>
+            </a:p>
+          </p:txBody>
+        </p:sp>
+      </p:grpSp>
+    </p:spTree>
+    <p:extLst>
+      <p:ext uri="{BB962C8B-B14F-4D97-AF65-F5344CB8AC3E}">
+        <p14:creationId xmlns:p14="http://schemas.microsoft.com/office/powerpoint/2010/main" val="2191766590"/>
+      </p:ext>
+    </p:extLst>
+  </p:cSld>
+  <p:clrMapOvr>
+    <a:masterClrMapping/>
+  </p:clrMapOvr>
+  <p:transition spd="slow">
+    <p:wipe/>
+  </p:transition>
+</p:sld>
+</file>
+
+<file path=ppt/slides/slide5.xml><?xml version="1.0" encoding="utf-8"?>
+<p:sld xmlns:a="http://schemas.openxmlformats.org/drawingml/2006/main" xmlns:r="http://schemas.openxmlformats.org/officeDocument/2006/relationships" xmlns:p="http://schemas.openxmlformats.org/presentationml/2006/main">
+  <p:cSld>
+    <p:spTree>
+      <p:nvGrpSpPr>
+        <p:cNvPr id="1" name="">
+          <a:extLst>
+            <a:ext uri="{FF2B5EF4-FFF2-40B4-BE49-F238E27FC236}">
+              <a16:creationId xmlns:a16="http://schemas.microsoft.com/office/drawing/2014/main" id="{6CC86C0A-A1E8-2087-D12A-E10BA50216D0}"/>
+            </a:ext>
+          </a:extLst>
+        </p:cNvPr>
+        <p:cNvGrpSpPr/>
+        <p:nvPr/>
+      </p:nvGrpSpPr>
+      <p:grpSpPr>
+        <a:xfrm>
+          <a:off x="0" y="0"/>
+          <a:ext cx="0" cy="0"/>
+          <a:chOff x="0" y="0"/>
+          <a:chExt cx="0" cy="0"/>
+        </a:xfrm>
+      </p:grpSpPr>
+      <p:sp>
+        <p:nvSpPr>
+          <p:cNvPr id="4" name="Rectangle 3">
+            <a:extLst>
+              <a:ext uri="{FF2B5EF4-FFF2-40B4-BE49-F238E27FC236}">
+                <a16:creationId xmlns:a16="http://schemas.microsoft.com/office/drawing/2014/main" id="{5E102BAE-2FA2-AD88-4AA2-CD41FCC58AD8}"/>
+              </a:ext>
+            </a:extLst>
+          </p:cNvPr>
+          <p:cNvSpPr/>
+          <p:nvPr/>
+        </p:nvSpPr>
+        <p:spPr>
+          <a:xfrm>
+            <a:off x="1800502" y="2392774"/>
+            <a:ext cx="6371304" cy="2369726"/>
+          </a:xfrm>
+          <a:prstGeom prst="rect">
+            <a:avLst/>
+          </a:prstGeom>
+          <a:solidFill>
+            <a:schemeClr val="tx1">
+              <a:lumMod val="85000"/>
+              <a:lumOff val="15000"/>
+            </a:schemeClr>
+          </a:solidFill>
+          <a:ln>
+            <a:solidFill>
+              <a:schemeClr val="bg1">
+                <a:lumMod val="65000"/>
+              </a:schemeClr>
+            </a:solidFill>
+          </a:ln>
+        </p:spPr>
+        <p:style>
+          <a:lnRef idx="2">
+            <a:schemeClr val="accent1">
+              <a:shade val="15000"/>
+            </a:schemeClr>
+          </a:lnRef>
+          <a:fillRef idx="1">
+            <a:schemeClr val="accent1"/>
+          </a:fillRef>
+          <a:effectRef idx="0">
+            <a:schemeClr val="accent1"/>
+          </a:effectRef>
+          <a:fontRef idx="minor">
+            <a:schemeClr val="lt1"/>
+          </a:fontRef>
+        </p:style>
+        <p:txBody>
+          <a:bodyPr rtlCol="0" anchor="ctr"/>
+          <a:lstStyle/>
+          <a:p>
+            <a:pPr algn="ctr"/>
             <a:endParaRPr lang="en-GB" dirty="0"/>
           </a:p>
         </p:txBody>
@@ -13706,7 +14608,7 @@
           <p:cNvPr id="42" name="Graphic 41" descr="Marker with solid fill">
             <a:extLst>
               <a:ext uri="{FF2B5EF4-FFF2-40B4-BE49-F238E27FC236}">
-                <a16:creationId xmlns:a16="http://schemas.microsoft.com/office/drawing/2014/main" id="{304BBCB7-A7E5-C858-AC7C-172E236123E6}"/>
+                <a16:creationId xmlns:a16="http://schemas.microsoft.com/office/drawing/2014/main" id="{7F1984EC-1FD7-0ED6-286E-6E580A30792B}"/>
               </a:ext>
             </a:extLst>
           </p:cNvPr>
@@ -13742,7 +14644,7 @@
           <p:cNvPr id="6" name="Rectangle 5">
             <a:extLst>
               <a:ext uri="{FF2B5EF4-FFF2-40B4-BE49-F238E27FC236}">
-                <a16:creationId xmlns:a16="http://schemas.microsoft.com/office/drawing/2014/main" id="{BC1DDF18-11DB-3DD9-5362-B5E98ECF0F37}"/>
+                <a16:creationId xmlns:a16="http://schemas.microsoft.com/office/drawing/2014/main" id="{B1EDA8A0-24B0-A83C-CA57-104593C6A01F}"/>
               </a:ext>
             </a:extLst>
           </p:cNvPr>
@@ -13806,7 +14708,7 @@
           <p:cNvPr id="8" name="Oval 7">
             <a:extLst>
               <a:ext uri="{FF2B5EF4-FFF2-40B4-BE49-F238E27FC236}">
-                <a16:creationId xmlns:a16="http://schemas.microsoft.com/office/drawing/2014/main" id="{5F9B2D47-68F2-321F-3D85-A028F414E7BA}"/>
+                <a16:creationId xmlns:a16="http://schemas.microsoft.com/office/drawing/2014/main" id="{E4C3D228-38D7-6824-3B1E-BEAFEE4690F5}"/>
               </a:ext>
             </a:extLst>
           </p:cNvPr>
@@ -13858,7 +14760,7 @@
           <p:cNvPr id="9" name="Oval 8">
             <a:extLst>
               <a:ext uri="{FF2B5EF4-FFF2-40B4-BE49-F238E27FC236}">
-                <a16:creationId xmlns:a16="http://schemas.microsoft.com/office/drawing/2014/main" id="{B0335064-E6C8-E493-9CBB-0145BCA52125}"/>
+                <a16:creationId xmlns:a16="http://schemas.microsoft.com/office/drawing/2014/main" id="{B27B6B9D-8C39-6F31-FD26-C7DA3A007EC9}"/>
               </a:ext>
             </a:extLst>
           </p:cNvPr>
@@ -13910,7 +14812,7 @@
           <p:cNvPr id="10" name="TextBox 9">
             <a:extLst>
               <a:ext uri="{FF2B5EF4-FFF2-40B4-BE49-F238E27FC236}">
-                <a16:creationId xmlns:a16="http://schemas.microsoft.com/office/drawing/2014/main" id="{14B768B5-D832-61D4-A426-9F9684E36308}"/>
+                <a16:creationId xmlns:a16="http://schemas.microsoft.com/office/drawing/2014/main" id="{002FBA4E-2C68-94D2-1379-7CCD6F1FC698}"/>
               </a:ext>
             </a:extLst>
           </p:cNvPr>
@@ -13941,7 +14843,7 @@
                 <a:latin typeface="Segoe UI" panose="020B0502040204020203" pitchFamily="34" charset="0"/>
                 <a:cs typeface="Segoe UI" panose="020B0502040204020203" pitchFamily="34" charset="0"/>
               </a:rPr>
-              <a:t>Personal Budget Planning</a:t>
+              <a:t>Ease of Travel App</a:t>
             </a:r>
           </a:p>
         </p:txBody>
@@ -13951,7 +14853,7 @@
           <p:cNvPr id="11" name="Rectangle: Rounded Corners 10">
             <a:extLst>
               <a:ext uri="{FF2B5EF4-FFF2-40B4-BE49-F238E27FC236}">
-                <a16:creationId xmlns:a16="http://schemas.microsoft.com/office/drawing/2014/main" id="{7FE8A6AC-B5B2-1211-381C-305CE1C46BAB}"/>
+                <a16:creationId xmlns:a16="http://schemas.microsoft.com/office/drawing/2014/main" id="{8B61D0AC-6013-E02B-9A10-701AB4012BA6}"/>
               </a:ext>
             </a:extLst>
           </p:cNvPr>
@@ -13960,7 +14862,7 @@
         </p:nvSpPr>
         <p:spPr>
           <a:xfrm>
-            <a:off x="5433515" y="1879612"/>
+            <a:off x="4601665" y="1906479"/>
             <a:ext cx="866392" cy="209295"/>
           </a:xfrm>
           <a:prstGeom prst="roundRect">
@@ -14016,7 +14918,7 @@
           <p:cNvPr id="41" name="Graphic 40" descr="Map with pin outline">
             <a:extLst>
               <a:ext uri="{FF2B5EF4-FFF2-40B4-BE49-F238E27FC236}">
-                <a16:creationId xmlns:a16="http://schemas.microsoft.com/office/drawing/2014/main" id="{C2AA2752-3FB3-6674-CF22-B001F039BF8E}"/>
+                <a16:creationId xmlns:a16="http://schemas.microsoft.com/office/drawing/2014/main" id="{1BEB4162-CCF8-2D07-3B27-5CB6484B75DE}"/>
               </a:ext>
             </a:extLst>
           </p:cNvPr>
@@ -14052,7 +14954,7 @@
           <p:cNvPr id="7" name="TextBox 6">
             <a:extLst>
               <a:ext uri="{FF2B5EF4-FFF2-40B4-BE49-F238E27FC236}">
-                <a16:creationId xmlns:a16="http://schemas.microsoft.com/office/drawing/2014/main" id="{A2D975DB-B957-2C98-27C0-D49DAAFC471F}"/>
+                <a16:creationId xmlns:a16="http://schemas.microsoft.com/office/drawing/2014/main" id="{732FE0A6-CE28-1A7C-FBA2-B9D17BB07DC7}"/>
               </a:ext>
             </a:extLst>
           </p:cNvPr>
@@ -14062,7 +14964,7 @@
         <p:spPr>
           <a:xfrm>
             <a:off x="1937863" y="2598086"/>
-            <a:ext cx="6097884" cy="2031325"/>
+            <a:ext cx="6097884" cy="2062103"/>
           </a:xfrm>
           <a:prstGeom prst="rect">
             <a:avLst/>
@@ -14075,97 +14977,92 @@
           </a:bodyPr>
           <a:lstStyle/>
           <a:p>
+            <a:pPr algn="l">
+              <a:spcAft>
+                <a:spcPts val="1200"/>
+              </a:spcAft>
+              <a:buNone/>
+            </a:pPr>
             <a:r>
               <a:rPr lang="en-GB" b="1" i="1" dirty="0">
                 <a:solidFill>
-                  <a:schemeClr val="bg1"/>
-                </a:solidFill>
-                <a:latin typeface="Segoe UI" panose="020B0502040204020203" pitchFamily="34" charset="0"/>
-                <a:cs typeface="Segoe UI" panose="020B0502040204020203" pitchFamily="34" charset="0"/>
+                  <a:srgbClr val="F0F6FC"/>
+                </a:solidFill>
+                <a:effectLst/>
+                <a:latin typeface="-apple-system"/>
               </a:rPr>
-              <a:t>As a</a:t>
-            </a:r>
-            <a:r>
-              <a:rPr lang="en-GB" i="1" dirty="0">
-                <a:solidFill>
-                  <a:schemeClr val="bg1"/>
-                </a:solidFill>
-                <a:latin typeface="Segoe UI" panose="020B0502040204020203" pitchFamily="34" charset="0"/>
-                <a:cs typeface="Segoe UI" panose="020B0502040204020203" pitchFamily="34" charset="0"/>
+              <a:t>As someone</a:t>
+            </a:r>
+            <a:r>
+              <a:rPr lang="en-GB" b="0" i="0" dirty="0">
+                <a:solidFill>
+                  <a:srgbClr val="F0F6FC"/>
+                </a:solidFill>
+                <a:effectLst/>
+                <a:latin typeface="-apple-system"/>
               </a:rPr>
-              <a:t> LightSpeed user.</a:t>
-            </a:r>
-          </a:p>
-          <a:p>
-            <a:endParaRPr lang="en-GB" i="1" dirty="0">
-              <a:solidFill>
-                <a:schemeClr val="bg1"/>
-              </a:solidFill>
-              <a:latin typeface="Segoe UI" panose="020B0502040204020203" pitchFamily="34" charset="0"/>
-              <a:cs typeface="Segoe UI" panose="020B0502040204020203" pitchFamily="34" charset="0"/>
-            </a:endParaRPr>
-          </a:p>
-          <a:p>
+              <a:t> who travels around Prague a lot.</a:t>
+            </a:r>
+          </a:p>
+          <a:p>
+            <a:pPr algn="l">
+              <a:spcAft>
+                <a:spcPts val="1200"/>
+              </a:spcAft>
+              <a:buNone/>
+            </a:pPr>
             <a:r>
               <a:rPr lang="en-GB" b="1" i="1" dirty="0">
                 <a:solidFill>
-                  <a:schemeClr val="bg1"/>
-                </a:solidFill>
-                <a:latin typeface="Segoe UI" panose="020B0502040204020203" pitchFamily="34" charset="0"/>
-                <a:cs typeface="Segoe UI" panose="020B0502040204020203" pitchFamily="34" charset="0"/>
+                  <a:srgbClr val="F0F6FC"/>
+                </a:solidFill>
+                <a:effectLst/>
+                <a:latin typeface="-apple-system"/>
               </a:rPr>
-              <a:t>I want </a:t>
-            </a:r>
-            <a:r>
-              <a:rPr lang="en-GB" i="1" dirty="0">
-                <a:solidFill>
-                  <a:schemeClr val="bg1"/>
-                </a:solidFill>
-                <a:latin typeface="Segoe UI" panose="020B0502040204020203" pitchFamily="34" charset="0"/>
-                <a:cs typeface="Segoe UI" panose="020B0502040204020203" pitchFamily="34" charset="0"/>
+              <a:t>I want</a:t>
+            </a:r>
+            <a:r>
+              <a:rPr lang="en-GB" b="0" i="0" dirty="0">
+                <a:solidFill>
+                  <a:srgbClr val="F0F6FC"/>
+                </a:solidFill>
+                <a:effectLst/>
+                <a:latin typeface="-apple-system"/>
               </a:rPr>
-              <a:t>to be able to check my daily/weekly/monthly money expenditure on the trips I have taken.</a:t>
-            </a:r>
-          </a:p>
-          <a:p>
-            <a:endParaRPr lang="en-GB" i="1" dirty="0">
-              <a:solidFill>
-                <a:schemeClr val="bg1"/>
-              </a:solidFill>
-              <a:latin typeface="Segoe UI" panose="020B0502040204020203" pitchFamily="34" charset="0"/>
-              <a:cs typeface="Segoe UI" panose="020B0502040204020203" pitchFamily="34" charset="0"/>
-            </a:endParaRPr>
-          </a:p>
-          <a:p>
+              <a:t> a system that would encompass all the travel options in one App.</a:t>
+            </a:r>
+          </a:p>
+          <a:p>
+            <a:pPr algn="l"/>
             <a:r>
               <a:rPr lang="en-GB" b="1" i="1" dirty="0">
                 <a:solidFill>
-                  <a:schemeClr val="bg1"/>
-                </a:solidFill>
-                <a:latin typeface="Segoe UI" panose="020B0502040204020203" pitchFamily="34" charset="0"/>
-                <a:cs typeface="Segoe UI" panose="020B0502040204020203" pitchFamily="34" charset="0"/>
+                  <a:srgbClr val="F0F6FC"/>
+                </a:solidFill>
+                <a:effectLst/>
+                <a:latin typeface="-apple-system"/>
               </a:rPr>
-              <a:t>So that </a:t>
-            </a:r>
-            <a:r>
-              <a:rPr lang="en-GB" i="1" dirty="0">
-                <a:solidFill>
-                  <a:schemeClr val="bg1"/>
-                </a:solidFill>
-                <a:latin typeface="Segoe UI" panose="020B0502040204020203" pitchFamily="34" charset="0"/>
-                <a:cs typeface="Segoe UI" panose="020B0502040204020203" pitchFamily="34" charset="0"/>
+              <a:t>So that</a:t>
+            </a:r>
+            <a:r>
+              <a:rPr lang="en-GB" b="0" i="0" dirty="0">
+                <a:solidFill>
+                  <a:srgbClr val="F0F6FC"/>
+                </a:solidFill>
+                <a:effectLst/>
+                <a:latin typeface="-apple-system"/>
               </a:rPr>
-              <a:t>I would be able to make better choices when it comes to my budget.</a:t>
-            </a:r>
-          </a:p>
-        </p:txBody>
-      </p:sp>
-      <p:sp>
-        <p:nvSpPr>
-          <p:cNvPr id="38" name="Rectangle 37">
+              <a:t> I can search for a place I want to get to and easily see all the possible travel options in one place and decide which combination suits me the best.</a:t>
+            </a:r>
+          </a:p>
+        </p:txBody>
+      </p:sp>
+      <p:sp>
+        <p:nvSpPr>
+          <p:cNvPr id="5" name="Rectangle 4">
             <a:extLst>
               <a:ext uri="{FF2B5EF4-FFF2-40B4-BE49-F238E27FC236}">
-                <a16:creationId xmlns:a16="http://schemas.microsoft.com/office/drawing/2014/main" id="{2CA752A3-4937-26A5-7011-635E52BCC8F7}"/>
+                <a16:creationId xmlns:a16="http://schemas.microsoft.com/office/drawing/2014/main" id="{B200AA09-01DD-7598-5669-84347A3FB30C}"/>
               </a:ext>
             </a:extLst>
           </p:cNvPr>
@@ -14226,10 +15123,10 @@
       </p:sp>
       <p:sp>
         <p:nvSpPr>
-          <p:cNvPr id="40" name="TextBox 39">
+          <p:cNvPr id="13" name="TextBox 12">
             <a:extLst>
               <a:ext uri="{FF2B5EF4-FFF2-40B4-BE49-F238E27FC236}">
-                <a16:creationId xmlns:a16="http://schemas.microsoft.com/office/drawing/2014/main" id="{D266D7F1-73AC-91C3-A8DC-6DFE41D73480}"/>
+                <a16:creationId xmlns:a16="http://schemas.microsoft.com/office/drawing/2014/main" id="{4069CF99-22A5-A16C-B956-D502F31A5D09}"/>
               </a:ext>
             </a:extLst>
           </p:cNvPr>
@@ -14265,20 +15162,20 @@
     </p:spTree>
     <p:extLst>
       <p:ext uri="{BB962C8B-B14F-4D97-AF65-F5344CB8AC3E}">
-        <p14:creationId xmlns:p14="http://schemas.microsoft.com/office/powerpoint/2010/main" val="2330729449"/>
+        <p14:creationId xmlns:p14="http://schemas.microsoft.com/office/powerpoint/2010/main" val="2067972482"/>
       </p:ext>
     </p:extLst>
   </p:cSld>
   <p:clrMapOvr>
     <a:masterClrMapping/>
   </p:clrMapOvr>
-  <mc:AlternateContent xmlns:mc="http://schemas.openxmlformats.org/markup-compatibility/2006">
-    <mc:Choice xmlns:p14="http://schemas.microsoft.com/office/powerpoint/2010/main" Requires="p14">
+  <mc:AlternateContent xmlns:mc="http://schemas.openxmlformats.org/markup-compatibility/2006" xmlns:p14="http://schemas.microsoft.com/office/powerpoint/2010/main">
+    <mc:Choice Requires="p14">
       <p:transition spd="med" p14:dur="700">
         <p:fade/>
       </p:transition>
     </mc:Choice>
-    <mc:Fallback>
+    <mc:Fallback xmlns="">
       <p:transition spd="med">
         <p:fade/>
       </p:transition>
@@ -14295,7 +15192,7 @@
         <p:cNvPr id="1" name="">
           <a:extLst>
             <a:ext uri="{FF2B5EF4-FFF2-40B4-BE49-F238E27FC236}">
-              <a16:creationId xmlns:a16="http://schemas.microsoft.com/office/drawing/2014/main" id="{6CC86C0A-A1E8-2087-D12A-E10BA50216D0}"/>
+              <a16:creationId xmlns:a16="http://schemas.microsoft.com/office/drawing/2014/main" id="{24C915EB-5504-DD63-0802-BE3A1A3D1C10}"/>
             </a:ext>
           </a:extLst>
         </p:cNvPr>
@@ -14315,7 +15212,7 @@
           <p:cNvPr id="4" name="Rectangle 3">
             <a:extLst>
               <a:ext uri="{FF2B5EF4-FFF2-40B4-BE49-F238E27FC236}">
-                <a16:creationId xmlns:a16="http://schemas.microsoft.com/office/drawing/2014/main" id="{5E102BAE-2FA2-AD88-4AA2-CD41FCC58AD8}"/>
+                <a16:creationId xmlns:a16="http://schemas.microsoft.com/office/drawing/2014/main" id="{5002D532-83AB-7D1F-89E0-D93F39DE645A}"/>
               </a:ext>
             </a:extLst>
           </p:cNvPr>
@@ -14324,8 +15221,8 @@
         </p:nvSpPr>
         <p:spPr>
           <a:xfrm>
-            <a:off x="1800502" y="2392774"/>
-            <a:ext cx="6371304" cy="2236638"/>
+            <a:off x="1800502" y="2392773"/>
+            <a:ext cx="6371304" cy="2572517"/>
           </a:xfrm>
           <a:prstGeom prst="rect">
             <a:avLst/>
@@ -14374,7 +15271,7 @@
           <p:cNvPr id="42" name="Graphic 41" descr="Marker with solid fill">
             <a:extLst>
               <a:ext uri="{FF2B5EF4-FFF2-40B4-BE49-F238E27FC236}">
-                <a16:creationId xmlns:a16="http://schemas.microsoft.com/office/drawing/2014/main" id="{7F1984EC-1FD7-0ED6-286E-6E580A30792B}"/>
+                <a16:creationId xmlns:a16="http://schemas.microsoft.com/office/drawing/2014/main" id="{304BBCB7-A7E5-C858-AC7C-172E236123E6}"/>
               </a:ext>
             </a:extLst>
           </p:cNvPr>
@@ -14410,7 +15307,7 @@
           <p:cNvPr id="6" name="Rectangle 5">
             <a:extLst>
               <a:ext uri="{FF2B5EF4-FFF2-40B4-BE49-F238E27FC236}">
-                <a16:creationId xmlns:a16="http://schemas.microsoft.com/office/drawing/2014/main" id="{B1EDA8A0-24B0-A83C-CA57-104593C6A01F}"/>
+                <a16:creationId xmlns:a16="http://schemas.microsoft.com/office/drawing/2014/main" id="{BC1DDF18-11DB-3DD9-5362-B5E98ECF0F37}"/>
               </a:ext>
             </a:extLst>
           </p:cNvPr>
@@ -14469,12 +15366,178 @@
           </a:p>
         </p:txBody>
       </p:sp>
-      <p:sp>
-        <p:nvSpPr>
-          <p:cNvPr id="8" name="Oval 7">
+      <p:grpSp>
+        <p:nvGrpSpPr>
+          <p:cNvPr id="2" name="Group 1">
             <a:extLst>
               <a:ext uri="{FF2B5EF4-FFF2-40B4-BE49-F238E27FC236}">
-                <a16:creationId xmlns:a16="http://schemas.microsoft.com/office/drawing/2014/main" id="{E4C3D228-38D7-6824-3B1E-BEAFEE4690F5}"/>
+                <a16:creationId xmlns:a16="http://schemas.microsoft.com/office/drawing/2014/main" id="{47532603-DD54-DD98-F7DE-30C9E4C4653C}"/>
+              </a:ext>
+            </a:extLst>
+          </p:cNvPr>
+          <p:cNvGrpSpPr/>
+          <p:nvPr/>
+        </p:nvGrpSpPr>
+        <p:grpSpPr>
+          <a:xfrm>
+            <a:off x="2124299" y="1853819"/>
+            <a:ext cx="252000" cy="252000"/>
+            <a:chOff x="2124299" y="1853819"/>
+            <a:chExt cx="252000" cy="252000"/>
+          </a:xfrm>
+        </p:grpSpPr>
+        <p:sp>
+          <p:nvSpPr>
+            <p:cNvPr id="8" name="Oval 7">
+              <a:extLst>
+                <a:ext uri="{FF2B5EF4-FFF2-40B4-BE49-F238E27FC236}">
+                  <a16:creationId xmlns:a16="http://schemas.microsoft.com/office/drawing/2014/main" id="{5F9B2D47-68F2-321F-3D85-A028F414E7BA}"/>
+                </a:ext>
+              </a:extLst>
+            </p:cNvPr>
+            <p:cNvSpPr/>
+            <p:nvPr/>
+          </p:nvSpPr>
+          <p:spPr>
+            <a:xfrm>
+              <a:off x="2124299" y="1853819"/>
+              <a:ext cx="252000" cy="252000"/>
+            </a:xfrm>
+            <a:prstGeom prst="ellipse">
+              <a:avLst/>
+            </a:prstGeom>
+            <a:noFill/>
+            <a:ln w="28575">
+              <a:solidFill>
+                <a:srgbClr val="00B0F0"/>
+              </a:solidFill>
+            </a:ln>
+          </p:spPr>
+          <p:style>
+            <a:lnRef idx="2">
+              <a:schemeClr val="accent1">
+                <a:shade val="15000"/>
+              </a:schemeClr>
+            </a:lnRef>
+            <a:fillRef idx="1">
+              <a:schemeClr val="accent1"/>
+            </a:fillRef>
+            <a:effectRef idx="0">
+              <a:schemeClr val="accent1"/>
+            </a:effectRef>
+            <a:fontRef idx="minor">
+              <a:schemeClr val="lt1"/>
+            </a:fontRef>
+          </p:style>
+          <p:txBody>
+            <a:bodyPr rtlCol="0" anchor="ctr"/>
+            <a:lstStyle/>
+            <a:p>
+              <a:pPr algn="ctr"/>
+              <a:endParaRPr lang="en-GB"/>
+            </a:p>
+          </p:txBody>
+        </p:sp>
+        <p:sp>
+          <p:nvSpPr>
+            <p:cNvPr id="9" name="Oval 8">
+              <a:extLst>
+                <a:ext uri="{FF2B5EF4-FFF2-40B4-BE49-F238E27FC236}">
+                  <a16:creationId xmlns:a16="http://schemas.microsoft.com/office/drawing/2014/main" id="{B0335064-E6C8-E493-9CBB-0145BCA52125}"/>
+                </a:ext>
+              </a:extLst>
+            </p:cNvPr>
+            <p:cNvSpPr/>
+            <p:nvPr/>
+          </p:nvSpPr>
+          <p:spPr>
+            <a:xfrm>
+              <a:off x="2214299" y="1939229"/>
+              <a:ext cx="72000" cy="72000"/>
+            </a:xfrm>
+            <a:prstGeom prst="ellipse">
+              <a:avLst/>
+            </a:prstGeom>
+            <a:solidFill>
+              <a:srgbClr val="00B0F0"/>
+            </a:solidFill>
+            <a:ln w="60325">
+              <a:noFill/>
+            </a:ln>
+          </p:spPr>
+          <p:style>
+            <a:lnRef idx="2">
+              <a:schemeClr val="accent1">
+                <a:shade val="15000"/>
+              </a:schemeClr>
+            </a:lnRef>
+            <a:fillRef idx="1">
+              <a:schemeClr val="accent1"/>
+            </a:fillRef>
+            <a:effectRef idx="0">
+              <a:schemeClr val="accent1"/>
+            </a:effectRef>
+            <a:fontRef idx="minor">
+              <a:schemeClr val="lt1"/>
+            </a:fontRef>
+          </p:style>
+          <p:txBody>
+            <a:bodyPr rtlCol="0" anchor="ctr"/>
+            <a:lstStyle/>
+            <a:p>
+              <a:pPr algn="ctr"/>
+              <a:endParaRPr lang="en-GB"/>
+            </a:p>
+          </p:txBody>
+        </p:sp>
+      </p:grpSp>
+      <p:sp>
+        <p:nvSpPr>
+          <p:cNvPr id="10" name="TextBox 9">
+            <a:extLst>
+              <a:ext uri="{FF2B5EF4-FFF2-40B4-BE49-F238E27FC236}">
+                <a16:creationId xmlns:a16="http://schemas.microsoft.com/office/drawing/2014/main" id="{14B768B5-D832-61D4-A426-9F9684E36308}"/>
+              </a:ext>
+            </a:extLst>
+          </p:cNvPr>
+          <p:cNvSpPr txBox="1"/>
+          <p:nvPr/>
+        </p:nvSpPr>
+        <p:spPr>
+          <a:xfrm>
+            <a:off x="2416091" y="1779764"/>
+            <a:ext cx="3675888" cy="400110"/>
+          </a:xfrm>
+          <a:prstGeom prst="rect">
+            <a:avLst/>
+          </a:prstGeom>
+          <a:noFill/>
+        </p:spPr>
+        <p:txBody>
+          <a:bodyPr wrap="square" rtlCol="0">
+            <a:spAutoFit/>
+          </a:bodyPr>
+          <a:lstStyle/>
+          <a:p>
+            <a:r>
+              <a:rPr lang="en-GB" sz="2000" i="1" dirty="0">
+                <a:solidFill>
+                  <a:schemeClr val="bg1"/>
+                </a:solidFill>
+                <a:latin typeface="Segoe UI" panose="020B0502040204020203" pitchFamily="34" charset="0"/>
+                <a:cs typeface="Segoe UI" panose="020B0502040204020203" pitchFamily="34" charset="0"/>
+              </a:rPr>
+              <a:t>Personal Budget Planning</a:t>
+            </a:r>
+          </a:p>
+        </p:txBody>
+      </p:sp>
+      <p:sp>
+        <p:nvSpPr>
+          <p:cNvPr id="11" name="Rectangle: Rounded Corners 10">
+            <a:extLst>
+              <a:ext uri="{FF2B5EF4-FFF2-40B4-BE49-F238E27FC236}">
+                <a16:creationId xmlns:a16="http://schemas.microsoft.com/office/drawing/2014/main" id="{7FE8A6AC-B5B2-1211-381C-305CE1C46BAB}"/>
               </a:ext>
             </a:extLst>
           </p:cNvPr>
@@ -14483,152 +15546,7 @@
         </p:nvSpPr>
         <p:spPr>
           <a:xfrm>
-            <a:off x="2124299" y="1853819"/>
-            <a:ext cx="252000" cy="252000"/>
-          </a:xfrm>
-          <a:prstGeom prst="ellipse">
-            <a:avLst/>
-          </a:prstGeom>
-          <a:noFill/>
-          <a:ln w="28575">
-            <a:solidFill>
-              <a:srgbClr val="00B0F0"/>
-            </a:solidFill>
-          </a:ln>
-        </p:spPr>
-        <p:style>
-          <a:lnRef idx="2">
-            <a:schemeClr val="accent1">
-              <a:shade val="15000"/>
-            </a:schemeClr>
-          </a:lnRef>
-          <a:fillRef idx="1">
-            <a:schemeClr val="accent1"/>
-          </a:fillRef>
-          <a:effectRef idx="0">
-            <a:schemeClr val="accent1"/>
-          </a:effectRef>
-          <a:fontRef idx="minor">
-            <a:schemeClr val="lt1"/>
-          </a:fontRef>
-        </p:style>
-        <p:txBody>
-          <a:bodyPr rtlCol="0" anchor="ctr"/>
-          <a:lstStyle/>
-          <a:p>
-            <a:pPr algn="ctr"/>
-            <a:endParaRPr lang="en-GB"/>
-          </a:p>
-        </p:txBody>
-      </p:sp>
-      <p:sp>
-        <p:nvSpPr>
-          <p:cNvPr id="9" name="Oval 8">
-            <a:extLst>
-              <a:ext uri="{FF2B5EF4-FFF2-40B4-BE49-F238E27FC236}">
-                <a16:creationId xmlns:a16="http://schemas.microsoft.com/office/drawing/2014/main" id="{B27B6B9D-8C39-6F31-FD26-C7DA3A007EC9}"/>
-              </a:ext>
-            </a:extLst>
-          </p:cNvPr>
-          <p:cNvSpPr/>
-          <p:nvPr/>
-        </p:nvSpPr>
-        <p:spPr>
-          <a:xfrm>
-            <a:off x="2214299" y="1939229"/>
-            <a:ext cx="72000" cy="72000"/>
-          </a:xfrm>
-          <a:prstGeom prst="ellipse">
-            <a:avLst/>
-          </a:prstGeom>
-          <a:solidFill>
-            <a:srgbClr val="00B0F0"/>
-          </a:solidFill>
-          <a:ln w="60325">
-            <a:noFill/>
-          </a:ln>
-        </p:spPr>
-        <p:style>
-          <a:lnRef idx="2">
-            <a:schemeClr val="accent1">
-              <a:shade val="15000"/>
-            </a:schemeClr>
-          </a:lnRef>
-          <a:fillRef idx="1">
-            <a:schemeClr val="accent1"/>
-          </a:fillRef>
-          <a:effectRef idx="0">
-            <a:schemeClr val="accent1"/>
-          </a:effectRef>
-          <a:fontRef idx="minor">
-            <a:schemeClr val="lt1"/>
-          </a:fontRef>
-        </p:style>
-        <p:txBody>
-          <a:bodyPr rtlCol="0" anchor="ctr"/>
-          <a:lstStyle/>
-          <a:p>
-            <a:pPr algn="ctr"/>
-            <a:endParaRPr lang="en-GB"/>
-          </a:p>
-        </p:txBody>
-      </p:sp>
-      <p:sp>
-        <p:nvSpPr>
-          <p:cNvPr id="10" name="TextBox 9">
-            <a:extLst>
-              <a:ext uri="{FF2B5EF4-FFF2-40B4-BE49-F238E27FC236}">
-                <a16:creationId xmlns:a16="http://schemas.microsoft.com/office/drawing/2014/main" id="{002FBA4E-2C68-94D2-1379-7CCD6F1FC698}"/>
-              </a:ext>
-            </a:extLst>
-          </p:cNvPr>
-          <p:cNvSpPr txBox="1"/>
-          <p:nvPr/>
-        </p:nvSpPr>
-        <p:spPr>
-          <a:xfrm>
-            <a:off x="2416091" y="1779764"/>
-            <a:ext cx="3675888" cy="400110"/>
-          </a:xfrm>
-          <a:prstGeom prst="rect">
-            <a:avLst/>
-          </a:prstGeom>
-          <a:noFill/>
-        </p:spPr>
-        <p:txBody>
-          <a:bodyPr wrap="square" rtlCol="0">
-            <a:spAutoFit/>
-          </a:bodyPr>
-          <a:lstStyle/>
-          <a:p>
-            <a:r>
-              <a:rPr lang="en-GB" sz="2000" i="1" dirty="0">
-                <a:solidFill>
-                  <a:schemeClr val="bg1"/>
-                </a:solidFill>
-                <a:latin typeface="Segoe UI" panose="020B0502040204020203" pitchFamily="34" charset="0"/>
-                <a:cs typeface="Segoe UI" panose="020B0502040204020203" pitchFamily="34" charset="0"/>
-              </a:rPr>
-              <a:t>Disabled Access</a:t>
-            </a:r>
-          </a:p>
-        </p:txBody>
-      </p:sp>
-      <p:sp>
-        <p:nvSpPr>
-          <p:cNvPr id="11" name="Rectangle: Rounded Corners 10">
-            <a:extLst>
-              <a:ext uri="{FF2B5EF4-FFF2-40B4-BE49-F238E27FC236}">
-                <a16:creationId xmlns:a16="http://schemas.microsoft.com/office/drawing/2014/main" id="{8B61D0AC-6013-E02B-9A10-701AB4012BA6}"/>
-              </a:ext>
-            </a:extLst>
-          </p:cNvPr>
-          <p:cNvSpPr/>
-          <p:nvPr/>
-        </p:nvSpPr>
-        <p:spPr>
-          <a:xfrm>
-            <a:off x="4315915" y="1879612"/>
+            <a:off x="5433515" y="1879612"/>
             <a:ext cx="866392" cy="209295"/>
           </a:xfrm>
           <a:prstGeom prst="roundRect">
@@ -14684,7 +15602,7 @@
           <p:cNvPr id="41" name="Graphic 40" descr="Map with pin outline">
             <a:extLst>
               <a:ext uri="{FF2B5EF4-FFF2-40B4-BE49-F238E27FC236}">
-                <a16:creationId xmlns:a16="http://schemas.microsoft.com/office/drawing/2014/main" id="{1BEB4162-CCF8-2D07-3B27-5CB6484B75DE}"/>
+                <a16:creationId xmlns:a16="http://schemas.microsoft.com/office/drawing/2014/main" id="{C2AA2752-3FB3-6674-CF22-B001F039BF8E}"/>
               </a:ext>
             </a:extLst>
           </p:cNvPr>
@@ -14720,7 +15638,7 @@
           <p:cNvPr id="7" name="TextBox 6">
             <a:extLst>
               <a:ext uri="{FF2B5EF4-FFF2-40B4-BE49-F238E27FC236}">
-                <a16:creationId xmlns:a16="http://schemas.microsoft.com/office/drawing/2014/main" id="{732FE0A6-CE28-1A7C-FBA2-B9D17BB07DC7}"/>
+                <a16:creationId xmlns:a16="http://schemas.microsoft.com/office/drawing/2014/main" id="{A2D975DB-B957-2C98-27C0-D49DAAFC471F}"/>
               </a:ext>
             </a:extLst>
           </p:cNvPr>
@@ -14730,7 +15648,7 @@
         <p:spPr>
           <a:xfrm>
             <a:off x="1937863" y="2598086"/>
-            <a:ext cx="6097884" cy="1754326"/>
+            <a:ext cx="6097884" cy="2031325"/>
           </a:xfrm>
           <a:prstGeom prst="rect">
             <a:avLst/>
@@ -14751,7 +15669,7 @@
                 <a:latin typeface="Segoe UI" panose="020B0502040204020203" pitchFamily="34" charset="0"/>
                 <a:cs typeface="Segoe UI" panose="020B0502040204020203" pitchFamily="34" charset="0"/>
               </a:rPr>
-              <a:t>As a </a:t>
+              <a:t>As a</a:t>
             </a:r>
             <a:r>
               <a:rPr lang="en-GB" i="1" dirty="0">
@@ -14761,11 +15679,11 @@
                 <a:latin typeface="Segoe UI" panose="020B0502040204020203" pitchFamily="34" charset="0"/>
                 <a:cs typeface="Segoe UI" panose="020B0502040204020203" pitchFamily="34" charset="0"/>
               </a:rPr>
-              <a:t>disabled LightSpeed user,</a:t>
-            </a:r>
-          </a:p>
-          <a:p>
-            <a:endParaRPr lang="en-GB" b="1" i="1" dirty="0">
+              <a:t> LightSpeed user.</a:t>
+            </a:r>
+          </a:p>
+          <a:p>
+            <a:endParaRPr lang="en-GB" i="1" dirty="0">
               <a:solidFill>
                 <a:schemeClr val="bg1"/>
               </a:solidFill>
@@ -14792,11 +15710,11 @@
                 <a:latin typeface="Segoe UI" panose="020B0502040204020203" pitchFamily="34" charset="0"/>
                 <a:cs typeface="Segoe UI" panose="020B0502040204020203" pitchFamily="34" charset="0"/>
               </a:rPr>
-              <a:t>to filter for wheelchair accessible routes beforehand,</a:t>
-            </a:r>
-          </a:p>
-          <a:p>
-            <a:endParaRPr lang="en-GB" b="1" i="1" dirty="0">
+              <a:t>to be able to check my daily/weekly/monthly money expenditure on the trips I have taken.</a:t>
+            </a:r>
+          </a:p>
+          <a:p>
+            <a:endParaRPr lang="en-GB" i="1" dirty="0">
               <a:solidFill>
                 <a:schemeClr val="bg1"/>
               </a:solidFill>
@@ -14823,17 +15741,17 @@
                 <a:latin typeface="Segoe UI" panose="020B0502040204020203" pitchFamily="34" charset="0"/>
                 <a:cs typeface="Segoe UI" panose="020B0502040204020203" pitchFamily="34" charset="0"/>
               </a:rPr>
-              <a:t>I am able to complete the journey without unnecessary re-routing.</a:t>
-            </a:r>
-          </a:p>
-        </p:txBody>
-      </p:sp>
-      <p:sp>
-        <p:nvSpPr>
-          <p:cNvPr id="5" name="Rectangle 4">
+              <a:t>I would be able to make better choices when it comes to my budget.</a:t>
+            </a:r>
+          </a:p>
+        </p:txBody>
+      </p:sp>
+      <p:sp>
+        <p:nvSpPr>
+          <p:cNvPr id="38" name="Rectangle 37">
             <a:extLst>
               <a:ext uri="{FF2B5EF4-FFF2-40B4-BE49-F238E27FC236}">
-                <a16:creationId xmlns:a16="http://schemas.microsoft.com/office/drawing/2014/main" id="{B200AA09-01DD-7598-5669-84347A3FB30C}"/>
+                <a16:creationId xmlns:a16="http://schemas.microsoft.com/office/drawing/2014/main" id="{2CA752A3-4937-26A5-7011-635E52BCC8F7}"/>
               </a:ext>
             </a:extLst>
           </p:cNvPr>
@@ -14894,10 +15812,10 @@
       </p:sp>
       <p:sp>
         <p:nvSpPr>
-          <p:cNvPr id="13" name="TextBox 12">
+          <p:cNvPr id="40" name="TextBox 39">
             <a:extLst>
               <a:ext uri="{FF2B5EF4-FFF2-40B4-BE49-F238E27FC236}">
-                <a16:creationId xmlns:a16="http://schemas.microsoft.com/office/drawing/2014/main" id="{4069CF99-22A5-A16C-B956-D502F31A5D09}"/>
+                <a16:creationId xmlns:a16="http://schemas.microsoft.com/office/drawing/2014/main" id="{D266D7F1-73AC-91C3-A8DC-6DFE41D73480}"/>
               </a:ext>
             </a:extLst>
           </p:cNvPr>
@@ -14933,20 +15851,20 @@
     </p:spTree>
     <p:extLst>
       <p:ext uri="{BB962C8B-B14F-4D97-AF65-F5344CB8AC3E}">
-        <p14:creationId xmlns:p14="http://schemas.microsoft.com/office/powerpoint/2010/main" val="2067972482"/>
+        <p14:creationId xmlns:p14="http://schemas.microsoft.com/office/powerpoint/2010/main" val="2330729449"/>
       </p:ext>
     </p:extLst>
   </p:cSld>
   <p:clrMapOvr>
     <a:masterClrMapping/>
   </p:clrMapOvr>
-  <mc:AlternateContent xmlns:mc="http://schemas.openxmlformats.org/markup-compatibility/2006">
-    <mc:Choice xmlns:p14="http://schemas.microsoft.com/office/powerpoint/2010/main" Requires="p14">
+  <mc:AlternateContent xmlns:mc="http://schemas.openxmlformats.org/markup-compatibility/2006" xmlns:p14="http://schemas.microsoft.com/office/powerpoint/2010/main">
+    <mc:Choice Requires="p14">
       <p:transition spd="med" p14:dur="700">
         <p:fade/>
       </p:transition>
     </mc:Choice>
-    <mc:Fallback>
+    <mc:Fallback xmlns="">
       <p:transition spd="med">
         <p:fade/>
       </p:transition>
@@ -14993,7 +15911,7 @@
         <p:spPr>
           <a:xfrm>
             <a:off x="1800502" y="2392773"/>
-            <a:ext cx="6371304" cy="2980110"/>
+            <a:ext cx="6371304" cy="2898363"/>
           </a:xfrm>
           <a:prstGeom prst="rect">
             <a:avLst/>
@@ -15608,13 +16526,13 @@
   <p:clrMapOvr>
     <a:masterClrMapping/>
   </p:clrMapOvr>
-  <mc:AlternateContent xmlns:mc="http://schemas.openxmlformats.org/markup-compatibility/2006">
-    <mc:Choice xmlns:p14="http://schemas.microsoft.com/office/powerpoint/2010/main" Requires="p14">
+  <mc:AlternateContent xmlns:mc="http://schemas.openxmlformats.org/markup-compatibility/2006" xmlns:p14="http://schemas.microsoft.com/office/powerpoint/2010/main">
+    <mc:Choice Requires="p14">
       <p:transition spd="med" p14:dur="700">
         <p:fade/>
       </p:transition>
     </mc:Choice>
-    <mc:Fallback>
+    <mc:Fallback xmlns="">
       <p:transition spd="med">
         <p:fade/>
       </p:transition>
@@ -19412,13 +20330,13 @@
   <p:clrMapOvr>
     <a:masterClrMapping/>
   </p:clrMapOvr>
-  <mc:AlternateContent xmlns:mc="http://schemas.openxmlformats.org/markup-compatibility/2006">
-    <mc:Choice xmlns:p14="http://schemas.microsoft.com/office/powerpoint/2010/main" Requires="p14">
+  <mc:AlternateContent xmlns:mc="http://schemas.openxmlformats.org/markup-compatibility/2006" xmlns:p14="http://schemas.microsoft.com/office/powerpoint/2010/main">
+    <mc:Choice Requires="p14">
       <p:transition spd="med" p14:dur="700">
         <p:fade/>
       </p:transition>
     </mc:Choice>
-    <mc:Fallback>
+    <mc:Fallback xmlns="">
       <p:transition spd="med">
         <p:fade/>
       </p:transition>
